--- a/Docs/201402750 임광효/개인조사_201402750_임광효.pptx
+++ b/Docs/201402750 임광효/개인조사_201402750_임광효.pptx
@@ -5,7 +5,7 @@
     <p:sldMasterId id="2147483648" r:id="rId1"/>
   </p:sldMasterIdLst>
   <p:notesMasterIdLst>
-    <p:notesMasterId r:id="rId13"/>
+    <p:notesMasterId r:id="rId15"/>
   </p:notesMasterIdLst>
   <p:sldIdLst>
     <p:sldId id="257" r:id="rId2"/>
@@ -16,21 +16,23 @@
     <p:sldId id="310" r:id="rId7"/>
     <p:sldId id="311" r:id="rId8"/>
     <p:sldId id="313" r:id="rId9"/>
-    <p:sldId id="314" r:id="rId10"/>
-    <p:sldId id="318" r:id="rId11"/>
-    <p:sldId id="259" r:id="rId12"/>
+    <p:sldId id="319" r:id="rId10"/>
+    <p:sldId id="320" r:id="rId11"/>
+    <p:sldId id="314" r:id="rId12"/>
+    <p:sldId id="318" r:id="rId13"/>
+    <p:sldId id="259" r:id="rId14"/>
   </p:sldIdLst>
   <p:sldSz cx="9144000" cy="6858000" type="screen4x3"/>
   <p:notesSz cx="6858000" cy="9144000"/>
   <p:embeddedFontLst>
     <p:embeddedFont>
       <p:font typeface="HY헤드라인M" panose="02030600000101010101" pitchFamily="18" charset="-127"/>
-      <p:regular r:id="rId14"/>
+      <p:regular r:id="rId16"/>
     </p:embeddedFont>
     <p:embeddedFont>
       <p:font typeface="맑은 고딕" panose="020B0503020000020004" pitchFamily="50" charset="-127"/>
-      <p:regular r:id="rId15"/>
-      <p:bold r:id="rId16"/>
+      <p:regular r:id="rId17"/>
+      <p:bold r:id="rId18"/>
     </p:embeddedFont>
   </p:embeddedFontLst>
   <p:defaultTextStyle>
@@ -230,7 +232,7 @@
             <a:fld id="{65771C21-3757-4199-83DE-22960358A2A5}" type="datetimeFigureOut">
               <a:rPr lang="ko-KR" altLang="en-US" smtClean="0"/>
               <a:pPr/>
-              <a:t>2018-10-10</a:t>
+              <a:t>2018-10-11</a:t>
             </a:fld>
             <a:endParaRPr lang="ko-KR" altLang="en-US"/>
           </a:p>
@@ -761,7 +763,7 @@
     </p:spTree>
     <p:extLst>
       <p:ext uri="{BB962C8B-B14F-4D97-AF65-F5344CB8AC3E}">
-        <p14:creationId xmlns:p14="http://schemas.microsoft.com/office/powerpoint/2010/main" val="1010895084"/>
+        <p14:creationId xmlns:p14="http://schemas.microsoft.com/office/powerpoint/2010/main" val="792651316"/>
       </p:ext>
     </p:extLst>
   </p:cSld>
@@ -860,10 +862,350 @@
           <a:bodyPr/>
           <a:lstStyle/>
           <a:p>
+            <a:pPr marL="0" marR="0" lvl="0" indent="0" algn="r" defTabSz="914400" rtl="0" eaLnBrk="1" fontAlgn="auto" latinLnBrk="1" hangingPunct="1">
+              <a:lnSpc>
+                <a:spcPct val="100000"/>
+              </a:lnSpc>
+              <a:spcBef>
+                <a:spcPts val="0"/>
+              </a:spcBef>
+              <a:spcAft>
+                <a:spcPts val="0"/>
+              </a:spcAft>
+              <a:buClrTx/>
+              <a:buSzTx/>
+              <a:buFontTx/>
+              <a:buNone/>
+              <a:tabLst/>
+              <a:defRPr/>
+            </a:pPr>
+            <a:fld id="{04A4E647-5A0F-41E6-A0EF-B58D8C1C6CD4}" type="slidenum">
+              <a:rPr kumimoji="0" lang="ko-KR" altLang="en-US" sz="1200" b="0" i="0" u="none" strike="noStrike" kern="1200" cap="none" spc="0" normalizeH="0" baseline="0" noProof="0" smtClean="0">
+                <a:ln>
+                  <a:noFill/>
+                </a:ln>
+                <a:solidFill>
+                  <a:prstClr val="black"/>
+                </a:solidFill>
+                <a:effectLst/>
+                <a:uLnTx/>
+                <a:uFillTx/>
+                <a:latin typeface="맑은 고딕"/>
+                <a:ea typeface="맑은 고딕" panose="020B0503020000020004" pitchFamily="50" charset="-127"/>
+                <a:cs typeface="+mn-cs"/>
+              </a:rPr>
+              <a:pPr marL="0" marR="0" lvl="0" indent="0" algn="r" defTabSz="914400" rtl="0" eaLnBrk="1" fontAlgn="auto" latinLnBrk="1" hangingPunct="1">
+                <a:lnSpc>
+                  <a:spcPct val="100000"/>
+                </a:lnSpc>
+                <a:spcBef>
+                  <a:spcPts val="0"/>
+                </a:spcBef>
+                <a:spcAft>
+                  <a:spcPts val="0"/>
+                </a:spcAft>
+                <a:buClrTx/>
+                <a:buSzTx/>
+                <a:buFontTx/>
+                <a:buNone/>
+                <a:tabLst/>
+                <a:defRPr/>
+              </a:pPr>
+              <a:t>11</a:t>
+            </a:fld>
+            <a:endParaRPr kumimoji="0" lang="ko-KR" altLang="en-US" sz="1200" b="0" i="0" u="none" strike="noStrike" kern="1200" cap="none" spc="0" normalizeH="0" baseline="0" noProof="0">
+              <a:ln>
+                <a:noFill/>
+              </a:ln>
+              <a:solidFill>
+                <a:prstClr val="black"/>
+              </a:solidFill>
+              <a:effectLst/>
+              <a:uLnTx/>
+              <a:uFillTx/>
+              <a:latin typeface="맑은 고딕"/>
+              <a:ea typeface="맑은 고딕" panose="020B0503020000020004" pitchFamily="50" charset="-127"/>
+              <a:cs typeface="+mn-cs"/>
+            </a:endParaRPr>
+          </a:p>
+        </p:txBody>
+      </p:sp>
+    </p:spTree>
+    <p:extLst>
+      <p:ext uri="{BB962C8B-B14F-4D97-AF65-F5344CB8AC3E}">
+        <p14:creationId xmlns:p14="http://schemas.microsoft.com/office/powerpoint/2010/main" val="3760343279"/>
+      </p:ext>
+    </p:extLst>
+  </p:cSld>
+  <p:clrMapOvr>
+    <a:masterClrMapping/>
+  </p:clrMapOvr>
+</p:notes>
+</file>
+
+<file path=ppt/notesSlides/notesSlide12.xml><?xml version="1.0" encoding="utf-8"?>
+<p:notes xmlns:a="http://schemas.openxmlformats.org/drawingml/2006/main" xmlns:r="http://schemas.openxmlformats.org/officeDocument/2006/relationships" xmlns:p="http://schemas.openxmlformats.org/presentationml/2006/main">
+  <p:cSld>
+    <p:spTree>
+      <p:nvGrpSpPr>
+        <p:cNvPr id="1" name=""/>
+        <p:cNvGrpSpPr/>
+        <p:nvPr/>
+      </p:nvGrpSpPr>
+      <p:grpSpPr>
+        <a:xfrm>
+          <a:off x="0" y="0"/>
+          <a:ext cx="0" cy="0"/>
+          <a:chOff x="0" y="0"/>
+          <a:chExt cx="0" cy="0"/>
+        </a:xfrm>
+      </p:grpSpPr>
+      <p:sp>
+        <p:nvSpPr>
+          <p:cNvPr id="2" name="슬라이드 이미지 개체 틀 1"/>
+          <p:cNvSpPr>
+            <a:spLocks noGrp="1" noRot="1" noChangeAspect="1"/>
+          </p:cNvSpPr>
+          <p:nvPr>
+            <p:ph type="sldImg"/>
+          </p:nvPr>
+        </p:nvSpPr>
+        <p:spPr/>
+      </p:sp>
+      <p:sp>
+        <p:nvSpPr>
+          <p:cNvPr id="3" name="슬라이드 노트 개체 틀 2"/>
+          <p:cNvSpPr>
+            <a:spLocks noGrp="1"/>
+          </p:cNvSpPr>
+          <p:nvPr>
+            <p:ph type="body" idx="1"/>
+          </p:nvPr>
+        </p:nvSpPr>
+        <p:spPr/>
+        <p:txBody>
+          <a:bodyPr>
+            <a:normAutofit/>
+          </a:bodyPr>
+          <a:lstStyle/>
+          <a:p>
+            <a:pPr marL="0" marR="0" indent="0" algn="l" defTabSz="914400" rtl="0" eaLnBrk="1" fontAlgn="auto" latinLnBrk="1" hangingPunct="1">
+              <a:lnSpc>
+                <a:spcPct val="100000"/>
+              </a:lnSpc>
+              <a:spcBef>
+                <a:spcPts val="0"/>
+              </a:spcBef>
+              <a:spcAft>
+                <a:spcPts val="0"/>
+              </a:spcAft>
+              <a:buClrTx/>
+              <a:buSzTx/>
+              <a:buFontTx/>
+              <a:buNone/>
+              <a:tabLst/>
+              <a:defRPr/>
+            </a:pPr>
+            <a:r>
+              <a:rPr lang="en-US" altLang="ko-KR" sz="1200" dirty="0"/>
+              <a:t>http://minheeblog.tistory.com/category/PPT</a:t>
+            </a:r>
+            <a:endParaRPr lang="ko-KR" altLang="en-US" sz="1200" dirty="0"/>
+          </a:p>
+          <a:p>
+            <a:endParaRPr lang="ko-KR" altLang="en-US" dirty="0"/>
+          </a:p>
+        </p:txBody>
+      </p:sp>
+      <p:sp>
+        <p:nvSpPr>
+          <p:cNvPr id="4" name="슬라이드 번호 개체 틀 3"/>
+          <p:cNvSpPr>
+            <a:spLocks noGrp="1"/>
+          </p:cNvSpPr>
+          <p:nvPr>
+            <p:ph type="sldNum" sz="quarter" idx="10"/>
+          </p:nvPr>
+        </p:nvSpPr>
+        <p:spPr/>
+        <p:txBody>
+          <a:bodyPr/>
+          <a:lstStyle/>
+          <a:p>
+            <a:pPr marL="0" marR="0" lvl="0" indent="0" algn="r" defTabSz="914400" rtl="0" eaLnBrk="1" fontAlgn="auto" latinLnBrk="1" hangingPunct="1">
+              <a:lnSpc>
+                <a:spcPct val="100000"/>
+              </a:lnSpc>
+              <a:spcBef>
+                <a:spcPts val="0"/>
+              </a:spcBef>
+              <a:spcAft>
+                <a:spcPts val="0"/>
+              </a:spcAft>
+              <a:buClrTx/>
+              <a:buSzTx/>
+              <a:buFontTx/>
+              <a:buNone/>
+              <a:tabLst/>
+              <a:defRPr/>
+            </a:pPr>
+            <a:fld id="{04A4E647-5A0F-41E6-A0EF-B58D8C1C6CD4}" type="slidenum">
+              <a:rPr kumimoji="0" lang="ko-KR" altLang="en-US" sz="1200" b="0" i="0" u="none" strike="noStrike" kern="1200" cap="none" spc="0" normalizeH="0" baseline="0" noProof="0" smtClean="0">
+                <a:ln>
+                  <a:noFill/>
+                </a:ln>
+                <a:solidFill>
+                  <a:prstClr val="black"/>
+                </a:solidFill>
+                <a:effectLst/>
+                <a:uLnTx/>
+                <a:uFillTx/>
+                <a:latin typeface="맑은 고딕"/>
+                <a:ea typeface="맑은 고딕" panose="020B0503020000020004" pitchFamily="50" charset="-127"/>
+                <a:cs typeface="+mn-cs"/>
+              </a:rPr>
+              <a:pPr marL="0" marR="0" lvl="0" indent="0" algn="r" defTabSz="914400" rtl="0" eaLnBrk="1" fontAlgn="auto" latinLnBrk="1" hangingPunct="1">
+                <a:lnSpc>
+                  <a:spcPct val="100000"/>
+                </a:lnSpc>
+                <a:spcBef>
+                  <a:spcPts val="0"/>
+                </a:spcBef>
+                <a:spcAft>
+                  <a:spcPts val="0"/>
+                </a:spcAft>
+                <a:buClrTx/>
+                <a:buSzTx/>
+                <a:buFontTx/>
+                <a:buNone/>
+                <a:tabLst/>
+                <a:defRPr/>
+              </a:pPr>
+              <a:t>12</a:t>
+            </a:fld>
+            <a:endParaRPr kumimoji="0" lang="ko-KR" altLang="en-US" sz="1200" b="0" i="0" u="none" strike="noStrike" kern="1200" cap="none" spc="0" normalizeH="0" baseline="0" noProof="0">
+              <a:ln>
+                <a:noFill/>
+              </a:ln>
+              <a:solidFill>
+                <a:prstClr val="black"/>
+              </a:solidFill>
+              <a:effectLst/>
+              <a:uLnTx/>
+              <a:uFillTx/>
+              <a:latin typeface="맑은 고딕"/>
+              <a:ea typeface="맑은 고딕" panose="020B0503020000020004" pitchFamily="50" charset="-127"/>
+              <a:cs typeface="+mn-cs"/>
+            </a:endParaRPr>
+          </a:p>
+        </p:txBody>
+      </p:sp>
+    </p:spTree>
+    <p:extLst>
+      <p:ext uri="{BB962C8B-B14F-4D97-AF65-F5344CB8AC3E}">
+        <p14:creationId xmlns:p14="http://schemas.microsoft.com/office/powerpoint/2010/main" val="1010895084"/>
+      </p:ext>
+    </p:extLst>
+  </p:cSld>
+  <p:clrMapOvr>
+    <a:masterClrMapping/>
+  </p:clrMapOvr>
+</p:notes>
+</file>
+
+<file path=ppt/notesSlides/notesSlide13.xml><?xml version="1.0" encoding="utf-8"?>
+<p:notes xmlns:a="http://schemas.openxmlformats.org/drawingml/2006/main" xmlns:r="http://schemas.openxmlformats.org/officeDocument/2006/relationships" xmlns:p="http://schemas.openxmlformats.org/presentationml/2006/main">
+  <p:cSld>
+    <p:spTree>
+      <p:nvGrpSpPr>
+        <p:cNvPr id="1" name=""/>
+        <p:cNvGrpSpPr/>
+        <p:nvPr/>
+      </p:nvGrpSpPr>
+      <p:grpSpPr>
+        <a:xfrm>
+          <a:off x="0" y="0"/>
+          <a:ext cx="0" cy="0"/>
+          <a:chOff x="0" y="0"/>
+          <a:chExt cx="0" cy="0"/>
+        </a:xfrm>
+      </p:grpSpPr>
+      <p:sp>
+        <p:nvSpPr>
+          <p:cNvPr id="2" name="슬라이드 이미지 개체 틀 1"/>
+          <p:cNvSpPr>
+            <a:spLocks noGrp="1" noRot="1" noChangeAspect="1"/>
+          </p:cNvSpPr>
+          <p:nvPr>
+            <p:ph type="sldImg"/>
+          </p:nvPr>
+        </p:nvSpPr>
+        <p:spPr/>
+      </p:sp>
+      <p:sp>
+        <p:nvSpPr>
+          <p:cNvPr id="3" name="슬라이드 노트 개체 틀 2"/>
+          <p:cNvSpPr>
+            <a:spLocks noGrp="1"/>
+          </p:cNvSpPr>
+          <p:nvPr>
+            <p:ph type="body" idx="1"/>
+          </p:nvPr>
+        </p:nvSpPr>
+        <p:spPr/>
+        <p:txBody>
+          <a:bodyPr>
+            <a:normAutofit/>
+          </a:bodyPr>
+          <a:lstStyle/>
+          <a:p>
+            <a:pPr marL="0" marR="0" indent="0" algn="l" defTabSz="914400" rtl="0" eaLnBrk="1" fontAlgn="auto" latinLnBrk="1" hangingPunct="1">
+              <a:lnSpc>
+                <a:spcPct val="100000"/>
+              </a:lnSpc>
+              <a:spcBef>
+                <a:spcPts val="0"/>
+              </a:spcBef>
+              <a:spcAft>
+                <a:spcPts val="0"/>
+              </a:spcAft>
+              <a:buClrTx/>
+              <a:buSzTx/>
+              <a:buFontTx/>
+              <a:buNone/>
+              <a:tabLst/>
+              <a:defRPr/>
+            </a:pPr>
+            <a:r>
+              <a:rPr lang="en-US" altLang="ko-KR" sz="1200" dirty="0"/>
+              <a:t>http://minheeblog.tistory.com/category/PPT</a:t>
+            </a:r>
+            <a:endParaRPr lang="ko-KR" altLang="en-US" sz="1200" dirty="0"/>
+          </a:p>
+          <a:p>
+            <a:endParaRPr lang="ko-KR" altLang="en-US" dirty="0"/>
+          </a:p>
+        </p:txBody>
+      </p:sp>
+      <p:sp>
+        <p:nvSpPr>
+          <p:cNvPr id="4" name="슬라이드 번호 개체 틀 3"/>
+          <p:cNvSpPr>
+            <a:spLocks noGrp="1"/>
+          </p:cNvSpPr>
+          <p:nvPr>
+            <p:ph type="sldNum" sz="quarter" idx="10"/>
+          </p:nvPr>
+        </p:nvSpPr>
+        <p:spPr/>
+        <p:txBody>
+          <a:bodyPr/>
+          <a:lstStyle/>
+          <a:p>
             <a:fld id="{04A4E647-5A0F-41E6-A0EF-B58D8C1C6CD4}" type="slidenum">
               <a:rPr lang="ko-KR" altLang="en-US" smtClean="0"/>
               <a:pPr/>
-              <a:t>11</a:t>
+              <a:t>13</a:t>
             </a:fld>
             <a:endParaRPr lang="ko-KR" altLang="en-US"/>
           </a:p>
@@ -2163,7 +2505,7 @@
     </p:spTree>
     <p:extLst>
       <p:ext uri="{BB962C8B-B14F-4D97-AF65-F5344CB8AC3E}">
-        <p14:creationId xmlns:p14="http://schemas.microsoft.com/office/powerpoint/2010/main" val="3760343279"/>
+        <p14:creationId xmlns:p14="http://schemas.microsoft.com/office/powerpoint/2010/main" val="1437111181"/>
       </p:ext>
     </p:extLst>
   </p:cSld>
@@ -2353,7 +2695,7 @@
             <a:fld id="{A22FE722-38C7-4231-8BB5-7A27D4E5977D}" type="datetimeFigureOut">
               <a:rPr lang="ko-KR" altLang="en-US" smtClean="0"/>
               <a:pPr/>
-              <a:t>2018-10-10</a:t>
+              <a:t>2018-10-11</a:t>
             </a:fld>
             <a:endParaRPr lang="ko-KR" altLang="en-US"/>
           </a:p>
@@ -2518,7 +2860,7 @@
             <a:fld id="{A22FE722-38C7-4231-8BB5-7A27D4E5977D}" type="datetimeFigureOut">
               <a:rPr lang="ko-KR" altLang="en-US" smtClean="0"/>
               <a:pPr/>
-              <a:t>2018-10-10</a:t>
+              <a:t>2018-10-11</a:t>
             </a:fld>
             <a:endParaRPr lang="ko-KR" altLang="en-US"/>
           </a:p>
@@ -2693,7 +3035,7 @@
             <a:fld id="{A22FE722-38C7-4231-8BB5-7A27D4E5977D}" type="datetimeFigureOut">
               <a:rPr lang="ko-KR" altLang="en-US" smtClean="0"/>
               <a:pPr/>
-              <a:t>2018-10-10</a:t>
+              <a:t>2018-10-11</a:t>
             </a:fld>
             <a:endParaRPr lang="ko-KR" altLang="en-US"/>
           </a:p>
@@ -2858,7 +3200,7 @@
             <a:fld id="{A22FE722-38C7-4231-8BB5-7A27D4E5977D}" type="datetimeFigureOut">
               <a:rPr lang="ko-KR" altLang="en-US" smtClean="0"/>
               <a:pPr/>
-              <a:t>2018-10-10</a:t>
+              <a:t>2018-10-11</a:t>
             </a:fld>
             <a:endParaRPr lang="ko-KR" altLang="en-US"/>
           </a:p>
@@ -3100,7 +3442,7 @@
             <a:fld id="{A22FE722-38C7-4231-8BB5-7A27D4E5977D}" type="datetimeFigureOut">
               <a:rPr lang="ko-KR" altLang="en-US" smtClean="0"/>
               <a:pPr/>
-              <a:t>2018-10-10</a:t>
+              <a:t>2018-10-11</a:t>
             </a:fld>
             <a:endParaRPr lang="ko-KR" altLang="en-US"/>
           </a:p>
@@ -3382,7 +3724,7 @@
             <a:fld id="{A22FE722-38C7-4231-8BB5-7A27D4E5977D}" type="datetimeFigureOut">
               <a:rPr lang="ko-KR" altLang="en-US" smtClean="0"/>
               <a:pPr/>
-              <a:t>2018-10-10</a:t>
+              <a:t>2018-10-11</a:t>
             </a:fld>
             <a:endParaRPr lang="ko-KR" altLang="en-US"/>
           </a:p>
@@ -3798,7 +4140,7 @@
             <a:fld id="{A22FE722-38C7-4231-8BB5-7A27D4E5977D}" type="datetimeFigureOut">
               <a:rPr lang="ko-KR" altLang="en-US" smtClean="0"/>
               <a:pPr/>
-              <a:t>2018-10-10</a:t>
+              <a:t>2018-10-11</a:t>
             </a:fld>
             <a:endParaRPr lang="ko-KR" altLang="en-US"/>
           </a:p>
@@ -3912,7 +4254,7 @@
             <a:fld id="{A22FE722-38C7-4231-8BB5-7A27D4E5977D}" type="datetimeFigureOut">
               <a:rPr lang="ko-KR" altLang="en-US" smtClean="0"/>
               <a:pPr/>
-              <a:t>2018-10-10</a:t>
+              <a:t>2018-10-11</a:t>
             </a:fld>
             <a:endParaRPr lang="ko-KR" altLang="en-US"/>
           </a:p>
@@ -4004,7 +4346,7 @@
             <a:fld id="{A22FE722-38C7-4231-8BB5-7A27D4E5977D}" type="datetimeFigureOut">
               <a:rPr lang="ko-KR" altLang="en-US" smtClean="0"/>
               <a:pPr/>
-              <a:t>2018-10-10</a:t>
+              <a:t>2018-10-11</a:t>
             </a:fld>
             <a:endParaRPr lang="ko-KR" altLang="en-US"/>
           </a:p>
@@ -4276,7 +4618,7 @@
             <a:fld id="{A22FE722-38C7-4231-8BB5-7A27D4E5977D}" type="datetimeFigureOut">
               <a:rPr lang="ko-KR" altLang="en-US" smtClean="0"/>
               <a:pPr/>
-              <a:t>2018-10-10</a:t>
+              <a:t>2018-10-11</a:t>
             </a:fld>
             <a:endParaRPr lang="ko-KR" altLang="en-US"/>
           </a:p>
@@ -4525,7 +4867,7 @@
             <a:fld id="{A22FE722-38C7-4231-8BB5-7A27D4E5977D}" type="datetimeFigureOut">
               <a:rPr lang="ko-KR" altLang="en-US" smtClean="0"/>
               <a:pPr/>
-              <a:t>2018-10-10</a:t>
+              <a:t>2018-10-11</a:t>
             </a:fld>
             <a:endParaRPr lang="ko-KR" altLang="en-US"/>
           </a:p>
@@ -4733,7 +5075,7 @@
             <a:fld id="{A22FE722-38C7-4231-8BB5-7A27D4E5977D}" type="datetimeFigureOut">
               <a:rPr lang="ko-KR" altLang="en-US" smtClean="0"/>
               <a:pPr/>
-              <a:t>2018-10-10</a:t>
+              <a:t>2018-10-11</a:t>
             </a:fld>
             <a:endParaRPr lang="ko-KR" altLang="en-US"/>
           </a:p>
@@ -5424,6 +5766,2376 @@
         </p:nvSpPr>
         <p:spPr>
           <a:xfrm>
+            <a:off x="-9862" y="289966"/>
+            <a:ext cx="1651414" cy="523220"/>
+          </a:xfrm>
+          <a:prstGeom prst="rect">
+            <a:avLst/>
+          </a:prstGeom>
+        </p:spPr>
+        <p:txBody>
+          <a:bodyPr wrap="none">
+            <a:spAutoFit/>
+          </a:bodyPr>
+          <a:lstStyle/>
+          <a:p>
+            <a:pPr marL="0" marR="0" lvl="0" indent="0" algn="ctr" defTabSz="914400" rtl="0" eaLnBrk="1" fontAlgn="auto" latinLnBrk="1" hangingPunct="1">
+              <a:lnSpc>
+                <a:spcPct val="100000"/>
+              </a:lnSpc>
+              <a:spcBef>
+                <a:spcPts val="0"/>
+              </a:spcBef>
+              <a:spcAft>
+                <a:spcPts val="0"/>
+              </a:spcAft>
+              <a:buClrTx/>
+              <a:buSzTx/>
+              <a:buFontTx/>
+              <a:buNone/>
+              <a:tabLst/>
+              <a:defRPr/>
+            </a:pPr>
+            <a:r>
+              <a:rPr lang="ko-KR" altLang="en-US" sz="2800" b="1" spc="-150" dirty="0">
+                <a:solidFill>
+                  <a:prstClr val="white"/>
+                </a:solidFill>
+                <a:latin typeface="Rix비타민 M" panose="02020603020101020101" pitchFamily="18" charset="-127"/>
+                <a:ea typeface="Rix비타민 M" panose="02020603020101020101" pitchFamily="18" charset="-127"/>
+              </a:rPr>
+              <a:t>학습 결과</a:t>
+            </a:r>
+            <a:endParaRPr kumimoji="0" lang="ko-KR" altLang="en-US" sz="2800" b="1" i="0" u="none" strike="noStrike" kern="1200" cap="none" spc="-150" normalizeH="0" baseline="0" noProof="0" dirty="0">
+              <a:ln>
+                <a:noFill/>
+              </a:ln>
+              <a:solidFill>
+                <a:prstClr val="white"/>
+              </a:solidFill>
+              <a:effectLst/>
+              <a:uLnTx/>
+              <a:uFillTx/>
+              <a:latin typeface="Rix비타민 M" panose="02020603020101020101" pitchFamily="18" charset="-127"/>
+              <a:ea typeface="Rix비타민 M" panose="02020603020101020101" pitchFamily="18" charset="-127"/>
+            </a:endParaRPr>
+          </a:p>
+        </p:txBody>
+      </p:sp>
+      <p:sp>
+        <p:nvSpPr>
+          <p:cNvPr id="9" name="TextBox 8"/>
+          <p:cNvSpPr txBox="1"/>
+          <p:nvPr/>
+        </p:nvSpPr>
+        <p:spPr>
+          <a:xfrm>
+            <a:off x="3995936" y="692696"/>
+            <a:ext cx="1080120" cy="461665"/>
+          </a:xfrm>
+          <a:prstGeom prst="rect">
+            <a:avLst/>
+          </a:prstGeom>
+          <a:noFill/>
+        </p:spPr>
+        <p:txBody>
+          <a:bodyPr wrap="square" rtlCol="0">
+            <a:spAutoFit/>
+          </a:bodyPr>
+          <a:lstStyle/>
+          <a:p>
+            <a:pPr marL="0" marR="0" lvl="0" indent="0" algn="ctr" defTabSz="914400" rtl="0" eaLnBrk="1" fontAlgn="auto" latinLnBrk="1" hangingPunct="1">
+              <a:lnSpc>
+                <a:spcPct val="100000"/>
+              </a:lnSpc>
+              <a:spcBef>
+                <a:spcPts val="0"/>
+              </a:spcBef>
+              <a:spcAft>
+                <a:spcPts val="0"/>
+              </a:spcAft>
+              <a:buClrTx/>
+              <a:buSzTx/>
+              <a:buFontTx/>
+              <a:buNone/>
+              <a:tabLst/>
+              <a:defRPr/>
+            </a:pPr>
+            <a:r>
+              <a:rPr kumimoji="0" lang="en-US" altLang="ko-KR" sz="2400" b="0" i="0" u="none" strike="noStrike" kern="1200" cap="none" spc="0" normalizeH="0" baseline="0" noProof="0" dirty="0">
+                <a:ln>
+                  <a:noFill/>
+                </a:ln>
+                <a:solidFill>
+                  <a:prstClr val="white"/>
+                </a:solidFill>
+                <a:effectLst/>
+                <a:uLnTx/>
+                <a:uFillTx/>
+                <a:latin typeface="HY헤드라인M" pitchFamily="18" charset="-127"/>
+                <a:ea typeface="HY헤드라인M" pitchFamily="18" charset="-127"/>
+                <a:cs typeface="+mn-cs"/>
+              </a:rPr>
+              <a:t>03</a:t>
+            </a:r>
+            <a:endParaRPr kumimoji="0" lang="ko-KR" altLang="en-US" sz="2400" b="0" i="0" u="none" strike="noStrike" kern="1200" cap="none" spc="0" normalizeH="0" baseline="0" noProof="0" dirty="0">
+              <a:ln>
+                <a:noFill/>
+              </a:ln>
+              <a:solidFill>
+                <a:prstClr val="white"/>
+              </a:solidFill>
+              <a:effectLst/>
+              <a:uLnTx/>
+              <a:uFillTx/>
+              <a:latin typeface="HY헤드라인M" pitchFamily="18" charset="-127"/>
+              <a:ea typeface="HY헤드라인M" pitchFamily="18" charset="-127"/>
+              <a:cs typeface="+mn-cs"/>
+            </a:endParaRPr>
+          </a:p>
+        </p:txBody>
+      </p:sp>
+      <p:sp>
+        <p:nvSpPr>
+          <p:cNvPr id="4" name="TextBox 3">
+            <a:extLst>
+              <a:ext uri="{FF2B5EF4-FFF2-40B4-BE49-F238E27FC236}">
+                <a16:creationId xmlns:a16="http://schemas.microsoft.com/office/drawing/2014/main" id="{B878FCE6-4F8D-476D-936D-A608173FB1E9}"/>
+              </a:ext>
+            </a:extLst>
+          </p:cNvPr>
+          <p:cNvSpPr txBox="1"/>
+          <p:nvPr/>
+        </p:nvSpPr>
+        <p:spPr>
+          <a:xfrm>
+            <a:off x="90026" y="850922"/>
+            <a:ext cx="3257838" cy="477054"/>
+          </a:xfrm>
+          <a:prstGeom prst="rect">
+            <a:avLst/>
+          </a:prstGeom>
+          <a:noFill/>
+        </p:spPr>
+        <p:txBody>
+          <a:bodyPr wrap="square" rtlCol="0">
+            <a:spAutoFit/>
+          </a:bodyPr>
+          <a:lstStyle/>
+          <a:p>
+            <a:r>
+              <a:rPr lang="ko-KR" altLang="en-US" sz="2500" b="1" dirty="0">
+                <a:effectLst>
+                  <a:outerShdw blurRad="38100" dist="38100" dir="2700000" algn="tl">
+                    <a:srgbClr val="000000">
+                      <a:alpha val="43137"/>
+                    </a:srgbClr>
+                  </a:outerShdw>
+                </a:effectLst>
+                <a:latin typeface="+mj-lt"/>
+              </a:rPr>
+              <a:t>추가 실험</a:t>
+            </a:r>
+          </a:p>
+        </p:txBody>
+      </p:sp>
+      <p:sp>
+        <p:nvSpPr>
+          <p:cNvPr id="15" name="내용 개체 틀 4">
+            <a:extLst>
+              <a:ext uri="{FF2B5EF4-FFF2-40B4-BE49-F238E27FC236}">
+                <a16:creationId xmlns:a16="http://schemas.microsoft.com/office/drawing/2014/main" id="{5388484D-5CEC-456B-A533-5908BBF110EC}"/>
+              </a:ext>
+            </a:extLst>
+          </p:cNvPr>
+          <p:cNvSpPr txBox="1">
+            <a:spLocks/>
+          </p:cNvSpPr>
+          <p:nvPr/>
+        </p:nvSpPr>
+        <p:spPr>
+          <a:xfrm>
+            <a:off x="351122" y="5007194"/>
+            <a:ext cx="7893286" cy="1799911"/>
+          </a:xfrm>
+          <a:prstGeom prst="rect">
+            <a:avLst/>
+          </a:prstGeom>
+        </p:spPr>
+        <p:txBody>
+          <a:bodyPr vert="horz" lIns="91440" tIns="45720" rIns="91440" bIns="45720" rtlCol="0">
+            <a:normAutofit/>
+          </a:bodyPr>
+          <a:lstStyle>
+            <a:lvl1pPr marL="342900" indent="-342900" algn="l" defTabSz="914400" rtl="0" eaLnBrk="1" latinLnBrk="1" hangingPunct="1">
+              <a:spcBef>
+                <a:spcPct val="20000"/>
+              </a:spcBef>
+              <a:buFont typeface="Arial" pitchFamily="34" charset="0"/>
+              <a:buChar char="•"/>
+              <a:defRPr sz="2800" kern="1200">
+                <a:solidFill>
+                  <a:schemeClr val="tx1"/>
+                </a:solidFill>
+                <a:latin typeface="+mn-lt"/>
+                <a:ea typeface="+mn-ea"/>
+                <a:cs typeface="+mn-cs"/>
+              </a:defRPr>
+            </a:lvl1pPr>
+            <a:lvl2pPr marL="742950" indent="-285750" algn="l" defTabSz="914400" rtl="0" eaLnBrk="1" latinLnBrk="1" hangingPunct="1">
+              <a:spcBef>
+                <a:spcPct val="20000"/>
+              </a:spcBef>
+              <a:buFont typeface="Arial" pitchFamily="34" charset="0"/>
+              <a:buChar char="–"/>
+              <a:defRPr sz="2400" kern="1200">
+                <a:solidFill>
+                  <a:schemeClr val="tx1"/>
+                </a:solidFill>
+                <a:latin typeface="+mn-lt"/>
+                <a:ea typeface="+mn-ea"/>
+                <a:cs typeface="+mn-cs"/>
+              </a:defRPr>
+            </a:lvl2pPr>
+            <a:lvl3pPr marL="1143000" indent="-228600" algn="l" defTabSz="914400" rtl="0" eaLnBrk="1" latinLnBrk="1" hangingPunct="1">
+              <a:spcBef>
+                <a:spcPct val="20000"/>
+              </a:spcBef>
+              <a:buFont typeface="Arial" pitchFamily="34" charset="0"/>
+              <a:buChar char="•"/>
+              <a:defRPr sz="2000" kern="1200">
+                <a:solidFill>
+                  <a:schemeClr val="tx1"/>
+                </a:solidFill>
+                <a:latin typeface="+mn-lt"/>
+                <a:ea typeface="+mn-ea"/>
+                <a:cs typeface="+mn-cs"/>
+              </a:defRPr>
+            </a:lvl3pPr>
+            <a:lvl4pPr marL="1600200" indent="-228600" algn="l" defTabSz="914400" rtl="0" eaLnBrk="1" latinLnBrk="1" hangingPunct="1">
+              <a:spcBef>
+                <a:spcPct val="20000"/>
+              </a:spcBef>
+              <a:buFont typeface="Arial" pitchFamily="34" charset="0"/>
+              <a:buChar char="–"/>
+              <a:defRPr sz="1800" kern="1200">
+                <a:solidFill>
+                  <a:schemeClr val="tx1"/>
+                </a:solidFill>
+                <a:latin typeface="+mn-lt"/>
+                <a:ea typeface="+mn-ea"/>
+                <a:cs typeface="+mn-cs"/>
+              </a:defRPr>
+            </a:lvl4pPr>
+            <a:lvl5pPr marL="2057400" indent="-228600" algn="l" defTabSz="914400" rtl="0" eaLnBrk="1" latinLnBrk="1" hangingPunct="1">
+              <a:spcBef>
+                <a:spcPct val="20000"/>
+              </a:spcBef>
+              <a:buFont typeface="Arial" pitchFamily="34" charset="0"/>
+              <a:buChar char="»"/>
+              <a:defRPr sz="1800" kern="1200">
+                <a:solidFill>
+                  <a:schemeClr val="tx1"/>
+                </a:solidFill>
+                <a:latin typeface="+mn-lt"/>
+                <a:ea typeface="+mn-ea"/>
+                <a:cs typeface="+mn-cs"/>
+              </a:defRPr>
+            </a:lvl5pPr>
+            <a:lvl6pPr marL="2514600" indent="-228600" algn="l" defTabSz="914400" rtl="0" eaLnBrk="1" latinLnBrk="1" hangingPunct="1">
+              <a:spcBef>
+                <a:spcPct val="20000"/>
+              </a:spcBef>
+              <a:buFont typeface="Arial" pitchFamily="34" charset="0"/>
+              <a:buChar char="•"/>
+              <a:defRPr sz="1800" kern="1200">
+                <a:solidFill>
+                  <a:schemeClr val="tx1"/>
+                </a:solidFill>
+                <a:latin typeface="+mn-lt"/>
+                <a:ea typeface="+mn-ea"/>
+                <a:cs typeface="+mn-cs"/>
+              </a:defRPr>
+            </a:lvl6pPr>
+            <a:lvl7pPr marL="2971800" indent="-228600" algn="l" defTabSz="914400" rtl="0" eaLnBrk="1" latinLnBrk="1" hangingPunct="1">
+              <a:spcBef>
+                <a:spcPct val="20000"/>
+              </a:spcBef>
+              <a:buFont typeface="Arial" pitchFamily="34" charset="0"/>
+              <a:buChar char="•"/>
+              <a:defRPr sz="1800" kern="1200">
+                <a:solidFill>
+                  <a:schemeClr val="tx1"/>
+                </a:solidFill>
+                <a:latin typeface="+mn-lt"/>
+                <a:ea typeface="+mn-ea"/>
+                <a:cs typeface="+mn-cs"/>
+              </a:defRPr>
+            </a:lvl7pPr>
+            <a:lvl8pPr marL="3429000" indent="-228600" algn="l" defTabSz="914400" rtl="0" eaLnBrk="1" latinLnBrk="1" hangingPunct="1">
+              <a:spcBef>
+                <a:spcPct val="20000"/>
+              </a:spcBef>
+              <a:buFont typeface="Arial" pitchFamily="34" charset="0"/>
+              <a:buChar char="•"/>
+              <a:defRPr sz="1800" kern="1200">
+                <a:solidFill>
+                  <a:schemeClr val="tx1"/>
+                </a:solidFill>
+                <a:latin typeface="+mn-lt"/>
+                <a:ea typeface="+mn-ea"/>
+                <a:cs typeface="+mn-cs"/>
+              </a:defRPr>
+            </a:lvl8pPr>
+            <a:lvl9pPr marL="3886200" indent="-228600" algn="l" defTabSz="914400" rtl="0" eaLnBrk="1" latinLnBrk="1" hangingPunct="1">
+              <a:spcBef>
+                <a:spcPct val="20000"/>
+              </a:spcBef>
+              <a:buFont typeface="Arial" pitchFamily="34" charset="0"/>
+              <a:buChar char="•"/>
+              <a:defRPr sz="1800" kern="1200">
+                <a:solidFill>
+                  <a:schemeClr val="tx1"/>
+                </a:solidFill>
+                <a:latin typeface="+mn-lt"/>
+                <a:ea typeface="+mn-ea"/>
+                <a:cs typeface="+mn-cs"/>
+              </a:defRPr>
+            </a:lvl9pPr>
+          </a:lstStyle>
+          <a:p>
+            <a:pPr marL="0" indent="0">
+              <a:buFont typeface="Arial" pitchFamily="34" charset="0"/>
+              <a:buNone/>
+            </a:pPr>
+            <a:endParaRPr lang="en-US" altLang="ko-KR" sz="1400" b="1" dirty="0">
+              <a:effectLst>
+                <a:outerShdw blurRad="38100" dist="38100" dir="2700000" algn="tl">
+                  <a:srgbClr val="000000">
+                    <a:alpha val="43137"/>
+                  </a:srgbClr>
+                </a:outerShdw>
+              </a:effectLst>
+            </a:endParaRPr>
+          </a:p>
+        </p:txBody>
+      </p:sp>
+      <p:cxnSp>
+        <p:nvCxnSpPr>
+          <p:cNvPr id="13" name="직선 화살표 연결선 12">
+            <a:extLst>
+              <a:ext uri="{FF2B5EF4-FFF2-40B4-BE49-F238E27FC236}">
+                <a16:creationId xmlns:a16="http://schemas.microsoft.com/office/drawing/2014/main" id="{0C8FB5A8-1A3E-4586-A44D-84EB9DB70D6E}"/>
+              </a:ext>
+            </a:extLst>
+          </p:cNvPr>
+          <p:cNvCxnSpPr/>
+          <p:nvPr/>
+        </p:nvCxnSpPr>
+        <p:spPr>
+          <a:xfrm>
+            <a:off x="4309421" y="2564904"/>
+            <a:ext cx="525157" cy="0"/>
+          </a:xfrm>
+          <a:prstGeom prst="straightConnector1">
+            <a:avLst/>
+          </a:prstGeom>
+          <a:ln w="63500">
+            <a:solidFill>
+              <a:schemeClr val="tx1"/>
+            </a:solidFill>
+            <a:tailEnd type="triangle"/>
+          </a:ln>
+        </p:spPr>
+        <p:style>
+          <a:lnRef idx="1">
+            <a:schemeClr val="accent1"/>
+          </a:lnRef>
+          <a:fillRef idx="0">
+            <a:schemeClr val="accent1"/>
+          </a:fillRef>
+          <a:effectRef idx="0">
+            <a:schemeClr val="accent1"/>
+          </a:effectRef>
+          <a:fontRef idx="minor">
+            <a:schemeClr val="tx1"/>
+          </a:fontRef>
+        </p:style>
+      </p:cxnSp>
+      <p:cxnSp>
+        <p:nvCxnSpPr>
+          <p:cNvPr id="22" name="직선 화살표 연결선 21">
+            <a:extLst>
+              <a:ext uri="{FF2B5EF4-FFF2-40B4-BE49-F238E27FC236}">
+                <a16:creationId xmlns:a16="http://schemas.microsoft.com/office/drawing/2014/main" id="{94238184-8A2D-43A4-9894-F29A938D36C7}"/>
+              </a:ext>
+            </a:extLst>
+          </p:cNvPr>
+          <p:cNvCxnSpPr/>
+          <p:nvPr/>
+        </p:nvCxnSpPr>
+        <p:spPr>
+          <a:xfrm>
+            <a:off x="4355976" y="4725144"/>
+            <a:ext cx="525157" cy="0"/>
+          </a:xfrm>
+          <a:prstGeom prst="straightConnector1">
+            <a:avLst/>
+          </a:prstGeom>
+          <a:ln w="63500">
+            <a:solidFill>
+              <a:schemeClr val="tx1"/>
+            </a:solidFill>
+            <a:tailEnd type="triangle"/>
+          </a:ln>
+        </p:spPr>
+        <p:style>
+          <a:lnRef idx="1">
+            <a:schemeClr val="accent1"/>
+          </a:lnRef>
+          <a:fillRef idx="0">
+            <a:schemeClr val="accent1"/>
+          </a:fillRef>
+          <a:effectRef idx="0">
+            <a:schemeClr val="accent1"/>
+          </a:effectRef>
+          <a:fontRef idx="minor">
+            <a:schemeClr val="tx1"/>
+          </a:fontRef>
+        </p:style>
+      </p:cxnSp>
+      <p:pic>
+        <p:nvPicPr>
+          <p:cNvPr id="7" name="그림 6">
+            <a:extLst>
+              <a:ext uri="{FF2B5EF4-FFF2-40B4-BE49-F238E27FC236}">
+                <a16:creationId xmlns:a16="http://schemas.microsoft.com/office/drawing/2014/main" id="{796444DD-9C6F-4347-B147-EF04CA5325C9}"/>
+              </a:ext>
+            </a:extLst>
+          </p:cNvPr>
+          <p:cNvPicPr>
+            <a:picLocks noChangeAspect="1"/>
+          </p:cNvPicPr>
+          <p:nvPr/>
+        </p:nvPicPr>
+        <p:blipFill>
+          <a:blip r:embed="rId3">
+            <a:extLst>
+              <a:ext uri="{28A0092B-C50C-407E-A947-70E740481C1C}">
+                <a14:useLocalDpi xmlns:a14="http://schemas.microsoft.com/office/drawing/2010/main" val="0"/>
+              </a:ext>
+            </a:extLst>
+          </a:blip>
+          <a:stretch>
+            <a:fillRect/>
+          </a:stretch>
+        </p:blipFill>
+        <p:spPr>
+          <a:xfrm>
+            <a:off x="351122" y="1354158"/>
+            <a:ext cx="3447065" cy="2332155"/>
+          </a:xfrm>
+          <a:prstGeom prst="rect">
+            <a:avLst/>
+          </a:prstGeom>
+        </p:spPr>
+      </p:pic>
+      <p:pic>
+        <p:nvPicPr>
+          <p:cNvPr id="12" name="그림 11">
+            <a:extLst>
+              <a:ext uri="{FF2B5EF4-FFF2-40B4-BE49-F238E27FC236}">
+                <a16:creationId xmlns:a16="http://schemas.microsoft.com/office/drawing/2014/main" id="{BFA418CA-119C-4C9B-ACEE-0CAE5558E7AE}"/>
+              </a:ext>
+            </a:extLst>
+          </p:cNvPr>
+          <p:cNvPicPr>
+            <a:picLocks noChangeAspect="1"/>
+          </p:cNvPicPr>
+          <p:nvPr/>
+        </p:nvPicPr>
+        <p:blipFill>
+          <a:blip r:embed="rId4">
+            <a:extLst>
+              <a:ext uri="{28A0092B-C50C-407E-A947-70E740481C1C}">
+                <a14:useLocalDpi xmlns:a14="http://schemas.microsoft.com/office/drawing/2010/main" val="0"/>
+              </a:ext>
+            </a:extLst>
+          </a:blip>
+          <a:stretch>
+            <a:fillRect/>
+          </a:stretch>
+        </p:blipFill>
+        <p:spPr>
+          <a:xfrm>
+            <a:off x="5264280" y="1042358"/>
+            <a:ext cx="3457645" cy="2505852"/>
+          </a:xfrm>
+          <a:prstGeom prst="rect">
+            <a:avLst/>
+          </a:prstGeom>
+        </p:spPr>
+      </p:pic>
+      <p:pic>
+        <p:nvPicPr>
+          <p:cNvPr id="16" name="그림 15">
+            <a:extLst>
+              <a:ext uri="{FF2B5EF4-FFF2-40B4-BE49-F238E27FC236}">
+                <a16:creationId xmlns:a16="http://schemas.microsoft.com/office/drawing/2014/main" id="{EC246023-0298-4E02-AC68-9BD620426FCA}"/>
+              </a:ext>
+            </a:extLst>
+          </p:cNvPr>
+          <p:cNvPicPr>
+            <a:picLocks noChangeAspect="1"/>
+          </p:cNvPicPr>
+          <p:nvPr/>
+        </p:nvPicPr>
+        <p:blipFill>
+          <a:blip r:embed="rId5">
+            <a:extLst>
+              <a:ext uri="{28A0092B-C50C-407E-A947-70E740481C1C}">
+                <a14:useLocalDpi xmlns:a14="http://schemas.microsoft.com/office/drawing/2010/main" val="0"/>
+              </a:ext>
+            </a:extLst>
+          </a:blip>
+          <a:stretch>
+            <a:fillRect/>
+          </a:stretch>
+        </p:blipFill>
+        <p:spPr>
+          <a:xfrm>
+            <a:off x="344290" y="3768103"/>
+            <a:ext cx="3570061" cy="2225710"/>
+          </a:xfrm>
+          <a:prstGeom prst="rect">
+            <a:avLst/>
+          </a:prstGeom>
+        </p:spPr>
+      </p:pic>
+      <p:pic>
+        <p:nvPicPr>
+          <p:cNvPr id="19" name="그림 18">
+            <a:extLst>
+              <a:ext uri="{FF2B5EF4-FFF2-40B4-BE49-F238E27FC236}">
+                <a16:creationId xmlns:a16="http://schemas.microsoft.com/office/drawing/2014/main" id="{EBF7DDB7-7412-4CB2-B535-2520435E88E4}"/>
+              </a:ext>
+            </a:extLst>
+          </p:cNvPr>
+          <p:cNvPicPr>
+            <a:picLocks noChangeAspect="1"/>
+          </p:cNvPicPr>
+          <p:nvPr/>
+        </p:nvPicPr>
+        <p:blipFill>
+          <a:blip r:embed="rId6">
+            <a:extLst>
+              <a:ext uri="{28A0092B-C50C-407E-A947-70E740481C1C}">
+                <a14:useLocalDpi xmlns:a14="http://schemas.microsoft.com/office/drawing/2010/main" val="0"/>
+              </a:ext>
+            </a:extLst>
+          </a:blip>
+          <a:stretch>
+            <a:fillRect/>
+          </a:stretch>
+        </p:blipFill>
+        <p:spPr>
+          <a:xfrm>
+            <a:off x="5115687" y="3686313"/>
+            <a:ext cx="3803410" cy="2555323"/>
+          </a:xfrm>
+          <a:prstGeom prst="rect">
+            <a:avLst/>
+          </a:prstGeom>
+        </p:spPr>
+      </p:pic>
+    </p:spTree>
+    <p:extLst>
+      <p:ext uri="{BB962C8B-B14F-4D97-AF65-F5344CB8AC3E}">
+        <p14:creationId xmlns:p14="http://schemas.microsoft.com/office/powerpoint/2010/main" val="3275238712"/>
+      </p:ext>
+    </p:extLst>
+  </p:cSld>
+  <p:clrMapOvr>
+    <a:masterClrMapping/>
+  </p:clrMapOvr>
+</p:sld>
+</file>
+
+<file path=ppt/slides/slide11.xml><?xml version="1.0" encoding="utf-8"?>
+<p:sld xmlns:a="http://schemas.openxmlformats.org/drawingml/2006/main" xmlns:r="http://schemas.openxmlformats.org/officeDocument/2006/relationships" xmlns:p="http://schemas.openxmlformats.org/presentationml/2006/main">
+  <p:cSld>
+    <p:bg>
+      <p:bgPr>
+        <a:solidFill>
+          <a:schemeClr val="tx2">
+            <a:lumMod val="75000"/>
+          </a:schemeClr>
+        </a:solidFill>
+        <a:effectLst/>
+      </p:bgPr>
+    </p:bg>
+    <p:spTree>
+      <p:nvGrpSpPr>
+        <p:cNvPr id="1" name=""/>
+        <p:cNvGrpSpPr/>
+        <p:nvPr/>
+      </p:nvGrpSpPr>
+      <p:grpSpPr>
+        <a:xfrm>
+          <a:off x="0" y="0"/>
+          <a:ext cx="0" cy="0"/>
+          <a:chOff x="0" y="0"/>
+          <a:chExt cx="0" cy="0"/>
+        </a:xfrm>
+      </p:grpSpPr>
+      <p:sp>
+        <p:nvSpPr>
+          <p:cNvPr id="2" name="직사각형 1"/>
+          <p:cNvSpPr/>
+          <p:nvPr/>
+        </p:nvSpPr>
+        <p:spPr>
+          <a:xfrm>
+            <a:off x="-3932" y="774486"/>
+            <a:ext cx="9180512" cy="5793548"/>
+          </a:xfrm>
+          <a:prstGeom prst="rect">
+            <a:avLst/>
+          </a:prstGeom>
+          <a:solidFill>
+            <a:schemeClr val="bg1"/>
+          </a:solidFill>
+          <a:ln>
+            <a:noFill/>
+          </a:ln>
+        </p:spPr>
+        <p:style>
+          <a:lnRef idx="2">
+            <a:schemeClr val="accent1">
+              <a:shade val="50000"/>
+            </a:schemeClr>
+          </a:lnRef>
+          <a:fillRef idx="1">
+            <a:schemeClr val="accent1"/>
+          </a:fillRef>
+          <a:effectRef idx="0">
+            <a:schemeClr val="accent1"/>
+          </a:effectRef>
+          <a:fontRef idx="minor">
+            <a:schemeClr val="lt1"/>
+          </a:fontRef>
+        </p:style>
+        <p:txBody>
+          <a:bodyPr rtlCol="0" anchor="ctr"/>
+          <a:lstStyle/>
+          <a:p>
+            <a:pPr marL="0" marR="0" lvl="0" indent="0" algn="ctr" defTabSz="914400" rtl="0" eaLnBrk="1" fontAlgn="auto" latinLnBrk="1" hangingPunct="1">
+              <a:lnSpc>
+                <a:spcPct val="100000"/>
+              </a:lnSpc>
+              <a:spcBef>
+                <a:spcPts val="0"/>
+              </a:spcBef>
+              <a:spcAft>
+                <a:spcPts val="0"/>
+              </a:spcAft>
+              <a:buClrTx/>
+              <a:buSzTx/>
+              <a:buFontTx/>
+              <a:buNone/>
+              <a:tabLst/>
+              <a:defRPr/>
+            </a:pPr>
+            <a:endParaRPr kumimoji="0" lang="ko-KR" altLang="en-US" sz="1800" b="0" i="0" u="none" strike="noStrike" kern="1200" cap="none" spc="0" normalizeH="0" baseline="0" noProof="0" dirty="0">
+              <a:ln>
+                <a:noFill/>
+              </a:ln>
+              <a:solidFill>
+                <a:prstClr val="white"/>
+              </a:solidFill>
+              <a:effectLst/>
+              <a:uLnTx/>
+              <a:uFillTx/>
+              <a:latin typeface="맑은 고딕"/>
+              <a:ea typeface="맑은 고딕" panose="020B0503020000020004" pitchFamily="50" charset="-127"/>
+              <a:cs typeface="+mn-cs"/>
+            </a:endParaRPr>
+          </a:p>
+        </p:txBody>
+      </p:sp>
+      <p:sp>
+        <p:nvSpPr>
+          <p:cNvPr id="3" name="타원 2"/>
+          <p:cNvSpPr/>
+          <p:nvPr/>
+        </p:nvSpPr>
+        <p:spPr>
+          <a:xfrm>
+            <a:off x="4067944" y="146108"/>
+            <a:ext cx="936104" cy="1050644"/>
+          </a:xfrm>
+          <a:prstGeom prst="ellipse">
+            <a:avLst/>
+          </a:prstGeom>
+          <a:solidFill>
+            <a:schemeClr val="tx2">
+              <a:lumMod val="75000"/>
+            </a:schemeClr>
+          </a:solidFill>
+          <a:ln>
+            <a:noFill/>
+          </a:ln>
+        </p:spPr>
+        <p:style>
+          <a:lnRef idx="2">
+            <a:schemeClr val="accent1">
+              <a:shade val="50000"/>
+            </a:schemeClr>
+          </a:lnRef>
+          <a:fillRef idx="1">
+            <a:schemeClr val="accent1"/>
+          </a:fillRef>
+          <a:effectRef idx="0">
+            <a:schemeClr val="accent1"/>
+          </a:effectRef>
+          <a:fontRef idx="minor">
+            <a:schemeClr val="lt1"/>
+          </a:fontRef>
+        </p:style>
+        <p:txBody>
+          <a:bodyPr rtlCol="0" anchor="ctr"/>
+          <a:lstStyle/>
+          <a:p>
+            <a:pPr marL="0" marR="0" lvl="0" indent="0" algn="ctr" defTabSz="914400" rtl="0" eaLnBrk="1" fontAlgn="auto" latinLnBrk="1" hangingPunct="1">
+              <a:lnSpc>
+                <a:spcPct val="100000"/>
+              </a:lnSpc>
+              <a:spcBef>
+                <a:spcPts val="0"/>
+              </a:spcBef>
+              <a:spcAft>
+                <a:spcPts val="0"/>
+              </a:spcAft>
+              <a:buClrTx/>
+              <a:buSzTx/>
+              <a:buFontTx/>
+              <a:buNone/>
+              <a:tabLst/>
+              <a:defRPr/>
+            </a:pPr>
+            <a:endParaRPr kumimoji="0" lang="ko-KR" altLang="en-US" sz="1800" b="0" i="0" u="none" strike="noStrike" kern="1200" cap="none" spc="0" normalizeH="0" baseline="0" noProof="0">
+              <a:ln>
+                <a:noFill/>
+              </a:ln>
+              <a:solidFill>
+                <a:prstClr val="white"/>
+              </a:solidFill>
+              <a:effectLst/>
+              <a:uLnTx/>
+              <a:uFillTx/>
+              <a:latin typeface="맑은 고딕"/>
+              <a:ea typeface="맑은 고딕" panose="020B0503020000020004" pitchFamily="50" charset="-127"/>
+              <a:cs typeface="+mn-cs"/>
+            </a:endParaRPr>
+          </a:p>
+        </p:txBody>
+      </p:sp>
+      <p:sp>
+        <p:nvSpPr>
+          <p:cNvPr id="8" name="직사각형 7"/>
+          <p:cNvSpPr/>
+          <p:nvPr/>
+        </p:nvSpPr>
+        <p:spPr>
+          <a:xfrm>
+            <a:off x="0" y="295847"/>
+            <a:ext cx="864339" cy="523220"/>
+          </a:xfrm>
+          <a:prstGeom prst="rect">
+            <a:avLst/>
+          </a:prstGeom>
+        </p:spPr>
+        <p:txBody>
+          <a:bodyPr wrap="none">
+            <a:spAutoFit/>
+          </a:bodyPr>
+          <a:lstStyle/>
+          <a:p>
+            <a:pPr marL="0" marR="0" lvl="0" indent="0" algn="ctr" defTabSz="914400" rtl="0" eaLnBrk="1" fontAlgn="auto" latinLnBrk="1" hangingPunct="1">
+              <a:lnSpc>
+                <a:spcPct val="100000"/>
+              </a:lnSpc>
+              <a:spcBef>
+                <a:spcPts val="0"/>
+              </a:spcBef>
+              <a:spcAft>
+                <a:spcPts val="0"/>
+              </a:spcAft>
+              <a:buClrTx/>
+              <a:buSzTx/>
+              <a:buFontTx/>
+              <a:buNone/>
+              <a:tabLst/>
+              <a:defRPr/>
+            </a:pPr>
+            <a:r>
+              <a:rPr lang="ko-KR" altLang="en-US" sz="2800" b="1" spc="-150" dirty="0">
+                <a:solidFill>
+                  <a:prstClr val="white"/>
+                </a:solidFill>
+                <a:latin typeface="Rix비타민 M" panose="02020603020101020101" pitchFamily="18" charset="-127"/>
+                <a:ea typeface="Rix비타민 M" panose="02020603020101020101" pitchFamily="18" charset="-127"/>
+              </a:rPr>
+              <a:t>결론</a:t>
+            </a:r>
+            <a:endParaRPr kumimoji="0" lang="ko-KR" altLang="en-US" sz="2800" b="1" i="0" u="none" strike="noStrike" kern="1200" cap="none" spc="-150" normalizeH="0" baseline="0" noProof="0" dirty="0">
+              <a:ln>
+                <a:noFill/>
+              </a:ln>
+              <a:solidFill>
+                <a:prstClr val="white"/>
+              </a:solidFill>
+              <a:effectLst/>
+              <a:uLnTx/>
+              <a:uFillTx/>
+              <a:latin typeface="Rix비타민 M" panose="02020603020101020101" pitchFamily="18" charset="-127"/>
+              <a:ea typeface="Rix비타민 M" panose="02020603020101020101" pitchFamily="18" charset="-127"/>
+            </a:endParaRPr>
+          </a:p>
+        </p:txBody>
+      </p:sp>
+      <p:sp>
+        <p:nvSpPr>
+          <p:cNvPr id="9" name="TextBox 8"/>
+          <p:cNvSpPr txBox="1"/>
+          <p:nvPr/>
+        </p:nvSpPr>
+        <p:spPr>
+          <a:xfrm>
+            <a:off x="3995936" y="692696"/>
+            <a:ext cx="1080120" cy="461665"/>
+          </a:xfrm>
+          <a:prstGeom prst="rect">
+            <a:avLst/>
+          </a:prstGeom>
+          <a:noFill/>
+        </p:spPr>
+        <p:txBody>
+          <a:bodyPr wrap="square" rtlCol="0">
+            <a:spAutoFit/>
+          </a:bodyPr>
+          <a:lstStyle/>
+          <a:p>
+            <a:pPr marL="0" marR="0" lvl="0" indent="0" algn="ctr" defTabSz="914400" rtl="0" eaLnBrk="1" fontAlgn="auto" latinLnBrk="1" hangingPunct="1">
+              <a:lnSpc>
+                <a:spcPct val="100000"/>
+              </a:lnSpc>
+              <a:spcBef>
+                <a:spcPts val="0"/>
+              </a:spcBef>
+              <a:spcAft>
+                <a:spcPts val="0"/>
+              </a:spcAft>
+              <a:buClrTx/>
+              <a:buSzTx/>
+              <a:buFontTx/>
+              <a:buNone/>
+              <a:tabLst/>
+              <a:defRPr/>
+            </a:pPr>
+            <a:r>
+              <a:rPr kumimoji="0" lang="en-US" altLang="ko-KR" sz="2400" b="0" i="0" u="none" strike="noStrike" kern="1200" cap="none" spc="0" normalizeH="0" baseline="0" noProof="0" dirty="0">
+                <a:ln>
+                  <a:noFill/>
+                </a:ln>
+                <a:solidFill>
+                  <a:prstClr val="white"/>
+                </a:solidFill>
+                <a:effectLst/>
+                <a:uLnTx/>
+                <a:uFillTx/>
+                <a:latin typeface="HY헤드라인M" pitchFamily="18" charset="-127"/>
+                <a:ea typeface="HY헤드라인M" pitchFamily="18" charset="-127"/>
+                <a:cs typeface="+mn-cs"/>
+              </a:rPr>
+              <a:t>04</a:t>
+            </a:r>
+            <a:endParaRPr kumimoji="0" lang="ko-KR" altLang="en-US" sz="2400" b="0" i="0" u="none" strike="noStrike" kern="1200" cap="none" spc="0" normalizeH="0" baseline="0" noProof="0" dirty="0">
+              <a:ln>
+                <a:noFill/>
+              </a:ln>
+              <a:solidFill>
+                <a:prstClr val="white"/>
+              </a:solidFill>
+              <a:effectLst/>
+              <a:uLnTx/>
+              <a:uFillTx/>
+              <a:latin typeface="HY헤드라인M" pitchFamily="18" charset="-127"/>
+              <a:ea typeface="HY헤드라인M" pitchFamily="18" charset="-127"/>
+              <a:cs typeface="+mn-cs"/>
+            </a:endParaRPr>
+          </a:p>
+        </p:txBody>
+      </p:sp>
+      <p:sp>
+        <p:nvSpPr>
+          <p:cNvPr id="18" name="내용 개체 틀 4">
+            <a:extLst>
+              <a:ext uri="{FF2B5EF4-FFF2-40B4-BE49-F238E27FC236}">
+                <a16:creationId xmlns:a16="http://schemas.microsoft.com/office/drawing/2014/main" id="{4649E46D-6DC0-4E98-AB78-81359839AE3C}"/>
+              </a:ext>
+            </a:extLst>
+          </p:cNvPr>
+          <p:cNvSpPr txBox="1">
+            <a:spLocks/>
+          </p:cNvSpPr>
+          <p:nvPr/>
+        </p:nvSpPr>
+        <p:spPr>
+          <a:xfrm>
+            <a:off x="683568" y="4616220"/>
+            <a:ext cx="8352928" cy="516093"/>
+          </a:xfrm>
+          <a:prstGeom prst="rect">
+            <a:avLst/>
+          </a:prstGeom>
+        </p:spPr>
+        <p:txBody>
+          <a:bodyPr vert="horz" lIns="91440" tIns="45720" rIns="91440" bIns="45720" rtlCol="0">
+            <a:normAutofit/>
+          </a:bodyPr>
+          <a:lstStyle>
+            <a:lvl1pPr marL="342900" indent="-342900" algn="l" defTabSz="914400" rtl="0" eaLnBrk="1" latinLnBrk="1" hangingPunct="1">
+              <a:spcBef>
+                <a:spcPct val="20000"/>
+              </a:spcBef>
+              <a:buFont typeface="Arial" pitchFamily="34" charset="0"/>
+              <a:buChar char="•"/>
+              <a:defRPr sz="2800" kern="1200">
+                <a:solidFill>
+                  <a:schemeClr val="tx1"/>
+                </a:solidFill>
+                <a:latin typeface="+mn-lt"/>
+                <a:ea typeface="+mn-ea"/>
+                <a:cs typeface="+mn-cs"/>
+              </a:defRPr>
+            </a:lvl1pPr>
+            <a:lvl2pPr marL="742950" indent="-285750" algn="l" defTabSz="914400" rtl="0" eaLnBrk="1" latinLnBrk="1" hangingPunct="1">
+              <a:spcBef>
+                <a:spcPct val="20000"/>
+              </a:spcBef>
+              <a:buFont typeface="Arial" pitchFamily="34" charset="0"/>
+              <a:buChar char="–"/>
+              <a:defRPr sz="2400" kern="1200">
+                <a:solidFill>
+                  <a:schemeClr val="tx1"/>
+                </a:solidFill>
+                <a:latin typeface="+mn-lt"/>
+                <a:ea typeface="+mn-ea"/>
+                <a:cs typeface="+mn-cs"/>
+              </a:defRPr>
+            </a:lvl2pPr>
+            <a:lvl3pPr marL="1143000" indent="-228600" algn="l" defTabSz="914400" rtl="0" eaLnBrk="1" latinLnBrk="1" hangingPunct="1">
+              <a:spcBef>
+                <a:spcPct val="20000"/>
+              </a:spcBef>
+              <a:buFont typeface="Arial" pitchFamily="34" charset="0"/>
+              <a:buChar char="•"/>
+              <a:defRPr sz="2000" kern="1200">
+                <a:solidFill>
+                  <a:schemeClr val="tx1"/>
+                </a:solidFill>
+                <a:latin typeface="+mn-lt"/>
+                <a:ea typeface="+mn-ea"/>
+                <a:cs typeface="+mn-cs"/>
+              </a:defRPr>
+            </a:lvl3pPr>
+            <a:lvl4pPr marL="1600200" indent="-228600" algn="l" defTabSz="914400" rtl="0" eaLnBrk="1" latinLnBrk="1" hangingPunct="1">
+              <a:spcBef>
+                <a:spcPct val="20000"/>
+              </a:spcBef>
+              <a:buFont typeface="Arial" pitchFamily="34" charset="0"/>
+              <a:buChar char="–"/>
+              <a:defRPr sz="1800" kern="1200">
+                <a:solidFill>
+                  <a:schemeClr val="tx1"/>
+                </a:solidFill>
+                <a:latin typeface="+mn-lt"/>
+                <a:ea typeface="+mn-ea"/>
+                <a:cs typeface="+mn-cs"/>
+              </a:defRPr>
+            </a:lvl4pPr>
+            <a:lvl5pPr marL="2057400" indent="-228600" algn="l" defTabSz="914400" rtl="0" eaLnBrk="1" latinLnBrk="1" hangingPunct="1">
+              <a:spcBef>
+                <a:spcPct val="20000"/>
+              </a:spcBef>
+              <a:buFont typeface="Arial" pitchFamily="34" charset="0"/>
+              <a:buChar char="»"/>
+              <a:defRPr sz="1800" kern="1200">
+                <a:solidFill>
+                  <a:schemeClr val="tx1"/>
+                </a:solidFill>
+                <a:latin typeface="+mn-lt"/>
+                <a:ea typeface="+mn-ea"/>
+                <a:cs typeface="+mn-cs"/>
+              </a:defRPr>
+            </a:lvl5pPr>
+            <a:lvl6pPr marL="2514600" indent="-228600" algn="l" defTabSz="914400" rtl="0" eaLnBrk="1" latinLnBrk="1" hangingPunct="1">
+              <a:spcBef>
+                <a:spcPct val="20000"/>
+              </a:spcBef>
+              <a:buFont typeface="Arial" pitchFamily="34" charset="0"/>
+              <a:buChar char="•"/>
+              <a:defRPr sz="1800" kern="1200">
+                <a:solidFill>
+                  <a:schemeClr val="tx1"/>
+                </a:solidFill>
+                <a:latin typeface="+mn-lt"/>
+                <a:ea typeface="+mn-ea"/>
+                <a:cs typeface="+mn-cs"/>
+              </a:defRPr>
+            </a:lvl6pPr>
+            <a:lvl7pPr marL="2971800" indent="-228600" algn="l" defTabSz="914400" rtl="0" eaLnBrk="1" latinLnBrk="1" hangingPunct="1">
+              <a:spcBef>
+                <a:spcPct val="20000"/>
+              </a:spcBef>
+              <a:buFont typeface="Arial" pitchFamily="34" charset="0"/>
+              <a:buChar char="•"/>
+              <a:defRPr sz="1800" kern="1200">
+                <a:solidFill>
+                  <a:schemeClr val="tx1"/>
+                </a:solidFill>
+                <a:latin typeface="+mn-lt"/>
+                <a:ea typeface="+mn-ea"/>
+                <a:cs typeface="+mn-cs"/>
+              </a:defRPr>
+            </a:lvl7pPr>
+            <a:lvl8pPr marL="3429000" indent="-228600" algn="l" defTabSz="914400" rtl="0" eaLnBrk="1" latinLnBrk="1" hangingPunct="1">
+              <a:spcBef>
+                <a:spcPct val="20000"/>
+              </a:spcBef>
+              <a:buFont typeface="Arial" pitchFamily="34" charset="0"/>
+              <a:buChar char="•"/>
+              <a:defRPr sz="1800" kern="1200">
+                <a:solidFill>
+                  <a:schemeClr val="tx1"/>
+                </a:solidFill>
+                <a:latin typeface="+mn-lt"/>
+                <a:ea typeface="+mn-ea"/>
+                <a:cs typeface="+mn-cs"/>
+              </a:defRPr>
+            </a:lvl8pPr>
+            <a:lvl9pPr marL="3886200" indent="-228600" algn="l" defTabSz="914400" rtl="0" eaLnBrk="1" latinLnBrk="1" hangingPunct="1">
+              <a:spcBef>
+                <a:spcPct val="20000"/>
+              </a:spcBef>
+              <a:buFont typeface="Arial" pitchFamily="34" charset="0"/>
+              <a:buChar char="•"/>
+              <a:defRPr sz="1800" kern="1200">
+                <a:solidFill>
+                  <a:schemeClr val="tx1"/>
+                </a:solidFill>
+                <a:latin typeface="+mn-lt"/>
+                <a:ea typeface="+mn-ea"/>
+                <a:cs typeface="+mn-cs"/>
+              </a:defRPr>
+            </a:lvl9pPr>
+          </a:lstStyle>
+          <a:p>
+            <a:pPr marL="0" indent="0">
+              <a:buFont typeface="Arial" pitchFamily="34" charset="0"/>
+              <a:buNone/>
+            </a:pPr>
+            <a:endParaRPr lang="en-US" altLang="ko-KR" sz="1500" b="1" dirty="0">
+              <a:effectLst>
+                <a:outerShdw blurRad="38100" dist="38100" dir="2700000" algn="tl">
+                  <a:srgbClr val="000000">
+                    <a:alpha val="43137"/>
+                  </a:srgbClr>
+                </a:outerShdw>
+              </a:effectLst>
+            </a:endParaRPr>
+          </a:p>
+        </p:txBody>
+      </p:sp>
+      <p:sp>
+        <p:nvSpPr>
+          <p:cNvPr id="15" name="내용 개체 틀 4">
+            <a:extLst>
+              <a:ext uri="{FF2B5EF4-FFF2-40B4-BE49-F238E27FC236}">
+                <a16:creationId xmlns:a16="http://schemas.microsoft.com/office/drawing/2014/main" id="{5388484D-5CEC-456B-A533-5908BBF110EC}"/>
+              </a:ext>
+            </a:extLst>
+          </p:cNvPr>
+          <p:cNvSpPr txBox="1">
+            <a:spLocks/>
+          </p:cNvSpPr>
+          <p:nvPr/>
+        </p:nvSpPr>
+        <p:spPr>
+          <a:xfrm>
+            <a:off x="351122" y="5007194"/>
+            <a:ext cx="7893286" cy="1799911"/>
+          </a:xfrm>
+          <a:prstGeom prst="rect">
+            <a:avLst/>
+          </a:prstGeom>
+        </p:spPr>
+        <p:txBody>
+          <a:bodyPr vert="horz" lIns="91440" tIns="45720" rIns="91440" bIns="45720" rtlCol="0">
+            <a:normAutofit/>
+          </a:bodyPr>
+          <a:lstStyle>
+            <a:lvl1pPr marL="342900" indent="-342900" algn="l" defTabSz="914400" rtl="0" eaLnBrk="1" latinLnBrk="1" hangingPunct="1">
+              <a:spcBef>
+                <a:spcPct val="20000"/>
+              </a:spcBef>
+              <a:buFont typeface="Arial" pitchFamily="34" charset="0"/>
+              <a:buChar char="•"/>
+              <a:defRPr sz="2800" kern="1200">
+                <a:solidFill>
+                  <a:schemeClr val="tx1"/>
+                </a:solidFill>
+                <a:latin typeface="+mn-lt"/>
+                <a:ea typeface="+mn-ea"/>
+                <a:cs typeface="+mn-cs"/>
+              </a:defRPr>
+            </a:lvl1pPr>
+            <a:lvl2pPr marL="742950" indent="-285750" algn="l" defTabSz="914400" rtl="0" eaLnBrk="1" latinLnBrk="1" hangingPunct="1">
+              <a:spcBef>
+                <a:spcPct val="20000"/>
+              </a:spcBef>
+              <a:buFont typeface="Arial" pitchFamily="34" charset="0"/>
+              <a:buChar char="–"/>
+              <a:defRPr sz="2400" kern="1200">
+                <a:solidFill>
+                  <a:schemeClr val="tx1"/>
+                </a:solidFill>
+                <a:latin typeface="+mn-lt"/>
+                <a:ea typeface="+mn-ea"/>
+                <a:cs typeface="+mn-cs"/>
+              </a:defRPr>
+            </a:lvl2pPr>
+            <a:lvl3pPr marL="1143000" indent="-228600" algn="l" defTabSz="914400" rtl="0" eaLnBrk="1" latinLnBrk="1" hangingPunct="1">
+              <a:spcBef>
+                <a:spcPct val="20000"/>
+              </a:spcBef>
+              <a:buFont typeface="Arial" pitchFamily="34" charset="0"/>
+              <a:buChar char="•"/>
+              <a:defRPr sz="2000" kern="1200">
+                <a:solidFill>
+                  <a:schemeClr val="tx1"/>
+                </a:solidFill>
+                <a:latin typeface="+mn-lt"/>
+                <a:ea typeface="+mn-ea"/>
+                <a:cs typeface="+mn-cs"/>
+              </a:defRPr>
+            </a:lvl3pPr>
+            <a:lvl4pPr marL="1600200" indent="-228600" algn="l" defTabSz="914400" rtl="0" eaLnBrk="1" latinLnBrk="1" hangingPunct="1">
+              <a:spcBef>
+                <a:spcPct val="20000"/>
+              </a:spcBef>
+              <a:buFont typeface="Arial" pitchFamily="34" charset="0"/>
+              <a:buChar char="–"/>
+              <a:defRPr sz="1800" kern="1200">
+                <a:solidFill>
+                  <a:schemeClr val="tx1"/>
+                </a:solidFill>
+                <a:latin typeface="+mn-lt"/>
+                <a:ea typeface="+mn-ea"/>
+                <a:cs typeface="+mn-cs"/>
+              </a:defRPr>
+            </a:lvl4pPr>
+            <a:lvl5pPr marL="2057400" indent="-228600" algn="l" defTabSz="914400" rtl="0" eaLnBrk="1" latinLnBrk="1" hangingPunct="1">
+              <a:spcBef>
+                <a:spcPct val="20000"/>
+              </a:spcBef>
+              <a:buFont typeface="Arial" pitchFamily="34" charset="0"/>
+              <a:buChar char="»"/>
+              <a:defRPr sz="1800" kern="1200">
+                <a:solidFill>
+                  <a:schemeClr val="tx1"/>
+                </a:solidFill>
+                <a:latin typeface="+mn-lt"/>
+                <a:ea typeface="+mn-ea"/>
+                <a:cs typeface="+mn-cs"/>
+              </a:defRPr>
+            </a:lvl5pPr>
+            <a:lvl6pPr marL="2514600" indent="-228600" algn="l" defTabSz="914400" rtl="0" eaLnBrk="1" latinLnBrk="1" hangingPunct="1">
+              <a:spcBef>
+                <a:spcPct val="20000"/>
+              </a:spcBef>
+              <a:buFont typeface="Arial" pitchFamily="34" charset="0"/>
+              <a:buChar char="•"/>
+              <a:defRPr sz="1800" kern="1200">
+                <a:solidFill>
+                  <a:schemeClr val="tx1"/>
+                </a:solidFill>
+                <a:latin typeface="+mn-lt"/>
+                <a:ea typeface="+mn-ea"/>
+                <a:cs typeface="+mn-cs"/>
+              </a:defRPr>
+            </a:lvl6pPr>
+            <a:lvl7pPr marL="2971800" indent="-228600" algn="l" defTabSz="914400" rtl="0" eaLnBrk="1" latinLnBrk="1" hangingPunct="1">
+              <a:spcBef>
+                <a:spcPct val="20000"/>
+              </a:spcBef>
+              <a:buFont typeface="Arial" pitchFamily="34" charset="0"/>
+              <a:buChar char="•"/>
+              <a:defRPr sz="1800" kern="1200">
+                <a:solidFill>
+                  <a:schemeClr val="tx1"/>
+                </a:solidFill>
+                <a:latin typeface="+mn-lt"/>
+                <a:ea typeface="+mn-ea"/>
+                <a:cs typeface="+mn-cs"/>
+              </a:defRPr>
+            </a:lvl7pPr>
+            <a:lvl8pPr marL="3429000" indent="-228600" algn="l" defTabSz="914400" rtl="0" eaLnBrk="1" latinLnBrk="1" hangingPunct="1">
+              <a:spcBef>
+                <a:spcPct val="20000"/>
+              </a:spcBef>
+              <a:buFont typeface="Arial" pitchFamily="34" charset="0"/>
+              <a:buChar char="•"/>
+              <a:defRPr sz="1800" kern="1200">
+                <a:solidFill>
+                  <a:schemeClr val="tx1"/>
+                </a:solidFill>
+                <a:latin typeface="+mn-lt"/>
+                <a:ea typeface="+mn-ea"/>
+                <a:cs typeface="+mn-cs"/>
+              </a:defRPr>
+            </a:lvl8pPr>
+            <a:lvl9pPr marL="3886200" indent="-228600" algn="l" defTabSz="914400" rtl="0" eaLnBrk="1" latinLnBrk="1" hangingPunct="1">
+              <a:spcBef>
+                <a:spcPct val="20000"/>
+              </a:spcBef>
+              <a:buFont typeface="Arial" pitchFamily="34" charset="0"/>
+              <a:buChar char="•"/>
+              <a:defRPr sz="1800" kern="1200">
+                <a:solidFill>
+                  <a:schemeClr val="tx1"/>
+                </a:solidFill>
+                <a:latin typeface="+mn-lt"/>
+                <a:ea typeface="+mn-ea"/>
+                <a:cs typeface="+mn-cs"/>
+              </a:defRPr>
+            </a:lvl9pPr>
+          </a:lstStyle>
+          <a:p>
+            <a:pPr marL="0" indent="0">
+              <a:buFont typeface="Arial" pitchFamily="34" charset="0"/>
+              <a:buNone/>
+            </a:pPr>
+            <a:endParaRPr lang="en-US" altLang="ko-KR" sz="1400" b="1" dirty="0">
+              <a:effectLst>
+                <a:outerShdw blurRad="38100" dist="38100" dir="2700000" algn="tl">
+                  <a:srgbClr val="000000">
+                    <a:alpha val="43137"/>
+                  </a:srgbClr>
+                </a:outerShdw>
+              </a:effectLst>
+            </a:endParaRPr>
+          </a:p>
+        </p:txBody>
+      </p:sp>
+      <p:sp>
+        <p:nvSpPr>
+          <p:cNvPr id="19" name="내용 개체 틀 4">
+            <a:extLst>
+              <a:ext uri="{FF2B5EF4-FFF2-40B4-BE49-F238E27FC236}">
+                <a16:creationId xmlns:a16="http://schemas.microsoft.com/office/drawing/2014/main" id="{01BAF654-7526-4876-9871-7B60D9394E63}"/>
+              </a:ext>
+            </a:extLst>
+          </p:cNvPr>
+          <p:cNvSpPr txBox="1">
+            <a:spLocks/>
+          </p:cNvSpPr>
+          <p:nvPr/>
+        </p:nvSpPr>
+        <p:spPr>
+          <a:xfrm>
+            <a:off x="167962" y="1587726"/>
+            <a:ext cx="8868534" cy="4145530"/>
+          </a:xfrm>
+          <a:prstGeom prst="rect">
+            <a:avLst/>
+          </a:prstGeom>
+        </p:spPr>
+        <p:txBody>
+          <a:bodyPr vert="horz" lIns="91440" tIns="45720" rIns="91440" bIns="45720" rtlCol="0">
+            <a:normAutofit lnSpcReduction="10000"/>
+          </a:bodyPr>
+          <a:lstStyle>
+            <a:lvl1pPr marL="342900" indent="-342900" algn="l" defTabSz="914400" rtl="0" eaLnBrk="1" latinLnBrk="1" hangingPunct="1">
+              <a:spcBef>
+                <a:spcPct val="20000"/>
+              </a:spcBef>
+              <a:buFont typeface="Arial" pitchFamily="34" charset="0"/>
+              <a:buChar char="•"/>
+              <a:defRPr sz="2800" kern="1200">
+                <a:solidFill>
+                  <a:schemeClr val="tx1"/>
+                </a:solidFill>
+                <a:latin typeface="+mn-lt"/>
+                <a:ea typeface="+mn-ea"/>
+                <a:cs typeface="+mn-cs"/>
+              </a:defRPr>
+            </a:lvl1pPr>
+            <a:lvl2pPr marL="742950" indent="-285750" algn="l" defTabSz="914400" rtl="0" eaLnBrk="1" latinLnBrk="1" hangingPunct="1">
+              <a:spcBef>
+                <a:spcPct val="20000"/>
+              </a:spcBef>
+              <a:buFont typeface="Arial" pitchFamily="34" charset="0"/>
+              <a:buChar char="–"/>
+              <a:defRPr sz="2400" kern="1200">
+                <a:solidFill>
+                  <a:schemeClr val="tx1"/>
+                </a:solidFill>
+                <a:latin typeface="+mn-lt"/>
+                <a:ea typeface="+mn-ea"/>
+                <a:cs typeface="+mn-cs"/>
+              </a:defRPr>
+            </a:lvl2pPr>
+            <a:lvl3pPr marL="1143000" indent="-228600" algn="l" defTabSz="914400" rtl="0" eaLnBrk="1" latinLnBrk="1" hangingPunct="1">
+              <a:spcBef>
+                <a:spcPct val="20000"/>
+              </a:spcBef>
+              <a:buFont typeface="Arial" pitchFamily="34" charset="0"/>
+              <a:buChar char="•"/>
+              <a:defRPr sz="2000" kern="1200">
+                <a:solidFill>
+                  <a:schemeClr val="tx1"/>
+                </a:solidFill>
+                <a:latin typeface="+mn-lt"/>
+                <a:ea typeface="+mn-ea"/>
+                <a:cs typeface="+mn-cs"/>
+              </a:defRPr>
+            </a:lvl3pPr>
+            <a:lvl4pPr marL="1600200" indent="-228600" algn="l" defTabSz="914400" rtl="0" eaLnBrk="1" latinLnBrk="1" hangingPunct="1">
+              <a:spcBef>
+                <a:spcPct val="20000"/>
+              </a:spcBef>
+              <a:buFont typeface="Arial" pitchFamily="34" charset="0"/>
+              <a:buChar char="–"/>
+              <a:defRPr sz="1800" kern="1200">
+                <a:solidFill>
+                  <a:schemeClr val="tx1"/>
+                </a:solidFill>
+                <a:latin typeface="+mn-lt"/>
+                <a:ea typeface="+mn-ea"/>
+                <a:cs typeface="+mn-cs"/>
+              </a:defRPr>
+            </a:lvl4pPr>
+            <a:lvl5pPr marL="2057400" indent="-228600" algn="l" defTabSz="914400" rtl="0" eaLnBrk="1" latinLnBrk="1" hangingPunct="1">
+              <a:spcBef>
+                <a:spcPct val="20000"/>
+              </a:spcBef>
+              <a:buFont typeface="Arial" pitchFamily="34" charset="0"/>
+              <a:buChar char="»"/>
+              <a:defRPr sz="1800" kern="1200">
+                <a:solidFill>
+                  <a:schemeClr val="tx1"/>
+                </a:solidFill>
+                <a:latin typeface="+mn-lt"/>
+                <a:ea typeface="+mn-ea"/>
+                <a:cs typeface="+mn-cs"/>
+              </a:defRPr>
+            </a:lvl5pPr>
+            <a:lvl6pPr marL="2514600" indent="-228600" algn="l" defTabSz="914400" rtl="0" eaLnBrk="1" latinLnBrk="1" hangingPunct="1">
+              <a:spcBef>
+                <a:spcPct val="20000"/>
+              </a:spcBef>
+              <a:buFont typeface="Arial" pitchFamily="34" charset="0"/>
+              <a:buChar char="•"/>
+              <a:defRPr sz="1800" kern="1200">
+                <a:solidFill>
+                  <a:schemeClr val="tx1"/>
+                </a:solidFill>
+                <a:latin typeface="+mn-lt"/>
+                <a:ea typeface="+mn-ea"/>
+                <a:cs typeface="+mn-cs"/>
+              </a:defRPr>
+            </a:lvl6pPr>
+            <a:lvl7pPr marL="2971800" indent="-228600" algn="l" defTabSz="914400" rtl="0" eaLnBrk="1" latinLnBrk="1" hangingPunct="1">
+              <a:spcBef>
+                <a:spcPct val="20000"/>
+              </a:spcBef>
+              <a:buFont typeface="Arial" pitchFamily="34" charset="0"/>
+              <a:buChar char="•"/>
+              <a:defRPr sz="1800" kern="1200">
+                <a:solidFill>
+                  <a:schemeClr val="tx1"/>
+                </a:solidFill>
+                <a:latin typeface="+mn-lt"/>
+                <a:ea typeface="+mn-ea"/>
+                <a:cs typeface="+mn-cs"/>
+              </a:defRPr>
+            </a:lvl7pPr>
+            <a:lvl8pPr marL="3429000" indent="-228600" algn="l" defTabSz="914400" rtl="0" eaLnBrk="1" latinLnBrk="1" hangingPunct="1">
+              <a:spcBef>
+                <a:spcPct val="20000"/>
+              </a:spcBef>
+              <a:buFont typeface="Arial" pitchFamily="34" charset="0"/>
+              <a:buChar char="•"/>
+              <a:defRPr sz="1800" kern="1200">
+                <a:solidFill>
+                  <a:schemeClr val="tx1"/>
+                </a:solidFill>
+                <a:latin typeface="+mn-lt"/>
+                <a:ea typeface="+mn-ea"/>
+                <a:cs typeface="+mn-cs"/>
+              </a:defRPr>
+            </a:lvl8pPr>
+            <a:lvl9pPr marL="3886200" indent="-228600" algn="l" defTabSz="914400" rtl="0" eaLnBrk="1" latinLnBrk="1" hangingPunct="1">
+              <a:spcBef>
+                <a:spcPct val="20000"/>
+              </a:spcBef>
+              <a:buFont typeface="Arial" pitchFamily="34" charset="0"/>
+              <a:buChar char="•"/>
+              <a:defRPr sz="1800" kern="1200">
+                <a:solidFill>
+                  <a:schemeClr val="tx1"/>
+                </a:solidFill>
+                <a:latin typeface="+mn-lt"/>
+                <a:ea typeface="+mn-ea"/>
+                <a:cs typeface="+mn-cs"/>
+              </a:defRPr>
+            </a:lvl9pPr>
+          </a:lstStyle>
+          <a:p>
+            <a:r>
+              <a:rPr lang="ko-KR" altLang="en-US" sz="1400" b="1" dirty="0">
+                <a:effectLst>
+                  <a:outerShdw blurRad="38100" dist="38100" dir="2700000" algn="tl">
+                    <a:srgbClr val="000000">
+                      <a:alpha val="43137"/>
+                    </a:srgbClr>
+                  </a:outerShdw>
+                </a:effectLst>
+              </a:rPr>
+              <a:t>밝은 공간에서의 </a:t>
+            </a:r>
+            <a:r>
+              <a:rPr lang="en-US" altLang="ko-KR" sz="1400" b="1" dirty="0">
+                <a:effectLst>
+                  <a:outerShdw blurRad="38100" dist="38100" dir="2700000" algn="tl">
+                    <a:srgbClr val="000000">
+                      <a:alpha val="43137"/>
+                    </a:srgbClr>
+                  </a:outerShdw>
+                </a:effectLst>
+              </a:rPr>
+              <a:t>Object Detection</a:t>
+            </a:r>
+            <a:r>
+              <a:rPr lang="ko-KR" altLang="en-US" sz="1400" b="1" dirty="0">
+                <a:effectLst>
+                  <a:outerShdw blurRad="38100" dist="38100" dir="2700000" algn="tl">
+                    <a:srgbClr val="000000">
+                      <a:alpha val="43137"/>
+                    </a:srgbClr>
+                  </a:outerShdw>
+                </a:effectLst>
+              </a:rPr>
+              <a:t>은 원활히 수행</a:t>
+            </a:r>
+            <a:endParaRPr lang="en-US" altLang="ko-KR" sz="1400" b="1" dirty="0">
+              <a:effectLst>
+                <a:outerShdw blurRad="38100" dist="38100" dir="2700000" algn="tl">
+                  <a:srgbClr val="000000">
+                    <a:alpha val="43137"/>
+                  </a:srgbClr>
+                </a:outerShdw>
+              </a:effectLst>
+            </a:endParaRPr>
+          </a:p>
+          <a:p>
+            <a:endParaRPr lang="en-US" altLang="ko-KR" sz="1400" b="1" dirty="0">
+              <a:effectLst>
+                <a:outerShdw blurRad="38100" dist="38100" dir="2700000" algn="tl">
+                  <a:srgbClr val="000000">
+                    <a:alpha val="43137"/>
+                  </a:srgbClr>
+                </a:outerShdw>
+              </a:effectLst>
+            </a:endParaRPr>
+          </a:p>
+          <a:p>
+            <a:r>
+              <a:rPr lang="ko-KR" altLang="en-US" sz="1400" b="1" dirty="0">
+                <a:effectLst>
+                  <a:outerShdw blurRad="38100" dist="38100" dir="2700000" algn="tl">
+                    <a:srgbClr val="000000">
+                      <a:alpha val="43137"/>
+                    </a:srgbClr>
+                  </a:outerShdw>
+                </a:effectLst>
+              </a:rPr>
+              <a:t>단 실험실 컴퓨터 </a:t>
+            </a:r>
+            <a:r>
+              <a:rPr lang="en-US" altLang="ko-KR" sz="1400" b="1" dirty="0">
+                <a:effectLst>
+                  <a:outerShdw blurRad="38100" dist="38100" dir="2700000" algn="tl">
+                    <a:srgbClr val="000000">
+                      <a:alpha val="43137"/>
+                    </a:srgbClr>
+                  </a:outerShdw>
+                </a:effectLst>
+              </a:rPr>
+              <a:t>GPU</a:t>
+            </a:r>
+            <a:r>
+              <a:rPr lang="ko-KR" altLang="en-US" sz="1400" b="1" dirty="0">
+                <a:effectLst>
+                  <a:outerShdw blurRad="38100" dist="38100" dir="2700000" algn="tl">
+                    <a:srgbClr val="000000">
+                      <a:alpha val="43137"/>
+                    </a:srgbClr>
+                  </a:outerShdw>
+                </a:effectLst>
+              </a:rPr>
+              <a:t>의 한계로 </a:t>
+            </a:r>
+            <a:r>
+              <a:rPr lang="en-US" altLang="ko-KR" sz="1400" b="1" dirty="0">
+                <a:effectLst>
+                  <a:outerShdw blurRad="38100" dist="38100" dir="2700000" algn="tl">
+                    <a:srgbClr val="000000">
+                      <a:alpha val="43137"/>
+                    </a:srgbClr>
+                  </a:outerShdw>
+                </a:effectLst>
+              </a:rPr>
+              <a:t>Camera</a:t>
+            </a:r>
+            <a:r>
+              <a:rPr lang="ko-KR" altLang="en-US" sz="1400" b="1" dirty="0">
+                <a:effectLst>
+                  <a:outerShdw blurRad="38100" dist="38100" dir="2700000" algn="tl">
+                    <a:srgbClr val="000000">
+                      <a:alpha val="43137"/>
+                    </a:srgbClr>
+                  </a:outerShdw>
+                </a:effectLst>
+              </a:rPr>
+              <a:t>를 연결하거나 비디오 영상을 입력으로 주었을 때</a:t>
+            </a:r>
+            <a:r>
+              <a:rPr lang="en-US" altLang="ko-KR" sz="1400" b="1" dirty="0">
+                <a:effectLst>
+                  <a:outerShdw blurRad="38100" dist="38100" dir="2700000" algn="tl">
+                    <a:srgbClr val="000000">
+                      <a:alpha val="43137"/>
+                    </a:srgbClr>
+                  </a:outerShdw>
+                </a:effectLst>
+              </a:rPr>
+              <a:t> </a:t>
+            </a:r>
+            <a:r>
+              <a:rPr lang="ko-KR" altLang="en-US" sz="1400" b="1" dirty="0">
+                <a:effectLst>
+                  <a:outerShdw blurRad="38100" dist="38100" dir="2700000" algn="tl">
+                    <a:srgbClr val="000000">
+                      <a:alpha val="43137"/>
+                    </a:srgbClr>
+                  </a:outerShdw>
+                </a:effectLst>
+              </a:rPr>
+              <a:t>낮은 </a:t>
+            </a:r>
+            <a:r>
+              <a:rPr lang="en-US" altLang="ko-KR" sz="1400" b="1" dirty="0">
+                <a:effectLst>
+                  <a:outerShdw blurRad="38100" dist="38100" dir="2700000" algn="tl">
+                    <a:srgbClr val="000000">
+                      <a:alpha val="43137"/>
+                    </a:srgbClr>
+                  </a:outerShdw>
+                </a:effectLst>
+              </a:rPr>
+              <a:t>FPS </a:t>
+            </a:r>
+            <a:r>
+              <a:rPr lang="ko-KR" altLang="en-US" sz="1400" b="1" dirty="0">
+                <a:effectLst>
+                  <a:outerShdw blurRad="38100" dist="38100" dir="2700000" algn="tl">
+                    <a:srgbClr val="000000">
+                      <a:alpha val="43137"/>
+                    </a:srgbClr>
+                  </a:outerShdw>
+                </a:effectLst>
+              </a:rPr>
+              <a:t>기록</a:t>
+            </a:r>
+            <a:endParaRPr lang="en-US" altLang="ko-KR" sz="1400" b="1" dirty="0">
+              <a:effectLst>
+                <a:outerShdw blurRad="38100" dist="38100" dir="2700000" algn="tl">
+                  <a:srgbClr val="000000">
+                    <a:alpha val="43137"/>
+                  </a:srgbClr>
+                </a:outerShdw>
+              </a:effectLst>
+            </a:endParaRPr>
+          </a:p>
+          <a:p>
+            <a:pPr marL="0" indent="0">
+              <a:buNone/>
+            </a:pPr>
+            <a:r>
+              <a:rPr lang="en-US" altLang="ko-KR" sz="1400" b="1" dirty="0">
+                <a:effectLst>
+                  <a:outerShdw blurRad="38100" dist="38100" dir="2700000" algn="tl">
+                    <a:srgbClr val="000000">
+                      <a:alpha val="43137"/>
+                    </a:srgbClr>
+                  </a:outerShdw>
+                </a:effectLst>
+              </a:rPr>
+              <a:t>      -&gt; </a:t>
+            </a:r>
+            <a:r>
+              <a:rPr lang="ko-KR" altLang="en-US" sz="1400" b="1" dirty="0">
+                <a:effectLst>
+                  <a:outerShdw blurRad="38100" dist="38100" dir="2700000" algn="tl">
+                    <a:srgbClr val="000000">
+                      <a:alpha val="43137"/>
+                    </a:srgbClr>
+                  </a:outerShdw>
+                </a:effectLst>
+              </a:rPr>
+              <a:t>향상된 </a:t>
+            </a:r>
+            <a:r>
+              <a:rPr lang="en-US" altLang="ko-KR" sz="1400" b="1" dirty="0">
+                <a:effectLst>
+                  <a:outerShdw blurRad="38100" dist="38100" dir="2700000" algn="tl">
+                    <a:srgbClr val="000000">
+                      <a:alpha val="43137"/>
+                    </a:srgbClr>
+                  </a:outerShdw>
+                </a:effectLst>
+              </a:rPr>
+              <a:t>GPU </a:t>
+            </a:r>
+            <a:r>
+              <a:rPr lang="ko-KR" altLang="en-US" sz="1400" b="1" dirty="0">
+                <a:effectLst>
+                  <a:outerShdw blurRad="38100" dist="38100" dir="2700000" algn="tl">
+                    <a:srgbClr val="000000">
+                      <a:alpha val="43137"/>
+                    </a:srgbClr>
+                  </a:outerShdw>
+                </a:effectLst>
+              </a:rPr>
+              <a:t>필요</a:t>
+            </a:r>
+            <a:endParaRPr lang="en-US" altLang="ko-KR" sz="1400" b="1" dirty="0">
+              <a:effectLst>
+                <a:outerShdw blurRad="38100" dist="38100" dir="2700000" algn="tl">
+                  <a:srgbClr val="000000">
+                    <a:alpha val="43137"/>
+                  </a:srgbClr>
+                </a:outerShdw>
+              </a:effectLst>
+            </a:endParaRPr>
+          </a:p>
+          <a:p>
+            <a:endParaRPr lang="en-US" altLang="ko-KR" sz="1400" b="1" dirty="0">
+              <a:effectLst>
+                <a:outerShdw blurRad="38100" dist="38100" dir="2700000" algn="tl">
+                  <a:srgbClr val="000000">
+                    <a:alpha val="43137"/>
+                  </a:srgbClr>
+                </a:outerShdw>
+              </a:effectLst>
+            </a:endParaRPr>
+          </a:p>
+          <a:p>
+            <a:r>
+              <a:rPr lang="ko-KR" altLang="en-US" sz="1400" b="1" dirty="0">
+                <a:effectLst>
+                  <a:outerShdw blurRad="38100" dist="38100" dir="2700000" algn="tl">
+                    <a:srgbClr val="000000">
+                      <a:alpha val="43137"/>
+                    </a:srgbClr>
+                  </a:outerShdw>
+                </a:effectLst>
+              </a:rPr>
+              <a:t>사람의 상태를 각기 다른 </a:t>
+            </a:r>
+            <a:r>
+              <a:rPr lang="en-US" altLang="ko-KR" sz="1400" b="1" dirty="0">
+                <a:effectLst>
+                  <a:outerShdw blurRad="38100" dist="38100" dir="2700000" algn="tl">
+                    <a:srgbClr val="000000">
+                      <a:alpha val="43137"/>
+                    </a:srgbClr>
+                  </a:outerShdw>
+                </a:effectLst>
+              </a:rPr>
+              <a:t>Class</a:t>
+            </a:r>
+            <a:r>
+              <a:rPr lang="ko-KR" altLang="en-US" sz="1400" b="1" dirty="0">
+                <a:effectLst>
+                  <a:outerShdw blurRad="38100" dist="38100" dir="2700000" algn="tl">
+                    <a:srgbClr val="000000">
+                      <a:alpha val="43137"/>
+                    </a:srgbClr>
+                  </a:outerShdw>
+                </a:effectLst>
+              </a:rPr>
+              <a:t>로 두어 </a:t>
+            </a:r>
+            <a:r>
+              <a:rPr lang="en-US" altLang="ko-KR" sz="1400" b="1" dirty="0">
+                <a:effectLst>
+                  <a:outerShdw blurRad="38100" dist="38100" dir="2700000" algn="tl">
+                    <a:srgbClr val="000000">
+                      <a:alpha val="43137"/>
+                    </a:srgbClr>
+                  </a:outerShdw>
+                </a:effectLst>
+              </a:rPr>
+              <a:t>Detection</a:t>
+            </a:r>
+            <a:r>
+              <a:rPr lang="ko-KR" altLang="en-US" sz="1400" b="1" dirty="0">
+                <a:effectLst>
+                  <a:outerShdw blurRad="38100" dist="38100" dir="2700000" algn="tl">
+                    <a:srgbClr val="000000">
+                      <a:alpha val="43137"/>
+                    </a:srgbClr>
+                  </a:outerShdw>
+                </a:effectLst>
+              </a:rPr>
+              <a:t>할 때</a:t>
+            </a:r>
+            <a:r>
+              <a:rPr lang="en-US" altLang="ko-KR" sz="1400" b="1" dirty="0">
+                <a:effectLst>
+                  <a:outerShdw blurRad="38100" dist="38100" dir="2700000" algn="tl">
+                    <a:srgbClr val="000000">
+                      <a:alpha val="43137"/>
+                    </a:srgbClr>
+                  </a:outerShdw>
+                </a:effectLst>
+              </a:rPr>
+              <a:t>,</a:t>
+            </a:r>
+            <a:r>
+              <a:rPr lang="ko-KR" altLang="en-US" sz="1400" b="1" dirty="0">
+                <a:effectLst>
+                  <a:outerShdw blurRad="38100" dist="38100" dir="2700000" algn="tl">
+                    <a:srgbClr val="000000">
+                      <a:alpha val="43137"/>
+                    </a:srgbClr>
+                  </a:outerShdw>
+                </a:effectLst>
+              </a:rPr>
+              <a:t> 애매한 동작에 있어서 감지가 어려움</a:t>
+            </a:r>
+            <a:endParaRPr lang="en-US" altLang="ko-KR" sz="1400" b="1" dirty="0">
+              <a:effectLst>
+                <a:outerShdw blurRad="38100" dist="38100" dir="2700000" algn="tl">
+                  <a:srgbClr val="000000">
+                    <a:alpha val="43137"/>
+                  </a:srgbClr>
+                </a:outerShdw>
+              </a:effectLst>
+            </a:endParaRPr>
+          </a:p>
+          <a:p>
+            <a:pPr marL="0" indent="0">
+              <a:buNone/>
+            </a:pPr>
+            <a:r>
+              <a:rPr lang="en-US" altLang="ko-KR" sz="1400" b="1" dirty="0">
+                <a:effectLst>
+                  <a:outerShdw blurRad="38100" dist="38100" dir="2700000" algn="tl">
+                    <a:srgbClr val="000000">
+                      <a:alpha val="43137"/>
+                    </a:srgbClr>
+                  </a:outerShdw>
+                </a:effectLst>
+              </a:rPr>
+              <a:t>      -&gt; </a:t>
+            </a:r>
+            <a:r>
+              <a:rPr lang="ko-KR" altLang="en-US" sz="1400" b="1" dirty="0">
+                <a:effectLst>
+                  <a:outerShdw blurRad="38100" dist="38100" dir="2700000" algn="tl">
+                    <a:srgbClr val="000000">
+                      <a:alpha val="43137"/>
+                    </a:srgbClr>
+                  </a:outerShdw>
+                </a:effectLst>
+              </a:rPr>
+              <a:t>더 많은 이미지를 가지고 학습 진행</a:t>
+            </a:r>
+            <a:endParaRPr lang="en-US" altLang="ko-KR" sz="1400" b="1" dirty="0">
+              <a:effectLst>
+                <a:outerShdw blurRad="38100" dist="38100" dir="2700000" algn="tl">
+                  <a:srgbClr val="000000">
+                    <a:alpha val="43137"/>
+                  </a:srgbClr>
+                </a:outerShdw>
+              </a:effectLst>
+            </a:endParaRPr>
+          </a:p>
+          <a:p>
+            <a:pPr marL="0" indent="0">
+              <a:buNone/>
+            </a:pPr>
+            <a:endParaRPr lang="en-US" altLang="ko-KR" sz="1400" b="1" dirty="0">
+              <a:effectLst>
+                <a:outerShdw blurRad="38100" dist="38100" dir="2700000" algn="tl">
+                  <a:srgbClr val="000000">
+                    <a:alpha val="43137"/>
+                  </a:srgbClr>
+                </a:outerShdw>
+              </a:effectLst>
+            </a:endParaRPr>
+          </a:p>
+          <a:p>
+            <a:r>
+              <a:rPr lang="ko-KR" altLang="en-US" sz="1400" b="1" dirty="0">
+                <a:effectLst>
+                  <a:outerShdw blurRad="38100" dist="38100" dir="2700000" algn="tl">
+                    <a:srgbClr val="000000">
+                      <a:alpha val="43137"/>
+                    </a:srgbClr>
+                  </a:outerShdw>
+                </a:effectLst>
+              </a:rPr>
+              <a:t>학습을 위한 이미지의 해상도가 높으면 높을수록 학습 시간이 증가하고</a:t>
+            </a:r>
+            <a:r>
+              <a:rPr lang="en-US" altLang="ko-KR" sz="1400" b="1" dirty="0">
+                <a:effectLst>
+                  <a:outerShdw blurRad="38100" dist="38100" dir="2700000" algn="tl">
+                    <a:srgbClr val="000000">
+                      <a:alpha val="43137"/>
+                    </a:srgbClr>
+                  </a:outerShdw>
+                </a:effectLst>
+              </a:rPr>
+              <a:t>, </a:t>
+            </a:r>
+            <a:r>
+              <a:rPr lang="ko-KR" altLang="en-US" sz="1400" b="1" dirty="0">
+                <a:effectLst>
+                  <a:outerShdw blurRad="38100" dist="38100" dir="2700000" algn="tl">
+                    <a:srgbClr val="000000">
+                      <a:alpha val="43137"/>
+                    </a:srgbClr>
+                  </a:outerShdw>
+                </a:effectLst>
+              </a:rPr>
+              <a:t>특징을 잘 잡아내지 못해 </a:t>
+            </a:r>
+            <a:r>
+              <a:rPr lang="en-US" altLang="ko-KR" sz="1400" b="1" dirty="0">
+                <a:effectLst>
+                  <a:outerShdw blurRad="38100" dist="38100" dir="2700000" algn="tl">
+                    <a:srgbClr val="000000">
+                      <a:alpha val="43137"/>
+                    </a:srgbClr>
+                  </a:outerShdw>
+                </a:effectLst>
+              </a:rPr>
+              <a:t>Detection</a:t>
+            </a:r>
+            <a:r>
+              <a:rPr lang="ko-KR" altLang="en-US" sz="1400" b="1" dirty="0">
+                <a:effectLst>
+                  <a:outerShdw blurRad="38100" dist="38100" dir="2700000" algn="tl">
+                    <a:srgbClr val="000000">
+                      <a:alpha val="43137"/>
+                    </a:srgbClr>
+                  </a:outerShdw>
+                </a:effectLst>
+              </a:rPr>
+              <a:t>에 어려움을 겪음</a:t>
+            </a:r>
+            <a:endParaRPr lang="en-US" altLang="ko-KR" sz="1400" b="1" dirty="0">
+              <a:effectLst>
+                <a:outerShdw blurRad="38100" dist="38100" dir="2700000" algn="tl">
+                  <a:srgbClr val="000000">
+                    <a:alpha val="43137"/>
+                  </a:srgbClr>
+                </a:outerShdw>
+              </a:effectLst>
+            </a:endParaRPr>
+          </a:p>
+          <a:p>
+            <a:pPr marL="0" indent="0">
+              <a:buNone/>
+            </a:pPr>
+            <a:r>
+              <a:rPr lang="en-US" altLang="ko-KR" sz="1400" b="1" dirty="0">
+                <a:effectLst>
+                  <a:outerShdw blurRad="38100" dist="38100" dir="2700000" algn="tl">
+                    <a:srgbClr val="000000">
+                      <a:alpha val="43137"/>
+                    </a:srgbClr>
+                  </a:outerShdw>
+                </a:effectLst>
+              </a:rPr>
+              <a:t>      -&gt; </a:t>
+            </a:r>
+            <a:r>
+              <a:rPr lang="ko-KR" altLang="en-US" sz="1400" b="1" dirty="0">
+                <a:effectLst>
+                  <a:outerShdw blurRad="38100" dist="38100" dir="2700000" algn="tl">
+                    <a:srgbClr val="000000">
+                      <a:alpha val="43137"/>
+                    </a:srgbClr>
+                  </a:outerShdw>
+                </a:effectLst>
+              </a:rPr>
+              <a:t>편집 프로그램을 통해 이미지의 해상도를 임의적으로 조정</a:t>
+            </a:r>
+            <a:endParaRPr lang="en-US" altLang="ko-KR" sz="1400" b="1" dirty="0">
+              <a:effectLst>
+                <a:outerShdw blurRad="38100" dist="38100" dir="2700000" algn="tl">
+                  <a:srgbClr val="000000">
+                    <a:alpha val="43137"/>
+                  </a:srgbClr>
+                </a:outerShdw>
+              </a:effectLst>
+            </a:endParaRPr>
+          </a:p>
+          <a:p>
+            <a:pPr marL="0" indent="0">
+              <a:buNone/>
+            </a:pPr>
+            <a:endParaRPr lang="en-US" altLang="ko-KR" sz="1400" b="1" dirty="0">
+              <a:effectLst>
+                <a:outerShdw blurRad="38100" dist="38100" dir="2700000" algn="tl">
+                  <a:srgbClr val="000000">
+                    <a:alpha val="43137"/>
+                  </a:srgbClr>
+                </a:outerShdw>
+              </a:effectLst>
+            </a:endParaRPr>
+          </a:p>
+          <a:p>
+            <a:r>
+              <a:rPr lang="ko-KR" altLang="en-US" sz="1400" b="1" dirty="0">
+                <a:effectLst>
+                  <a:outerShdw blurRad="38100" dist="38100" dir="2700000" algn="tl">
+                    <a:srgbClr val="000000">
+                      <a:alpha val="43137"/>
+                    </a:srgbClr>
+                  </a:outerShdw>
+                </a:effectLst>
+              </a:rPr>
+              <a:t>조도가 낮은 공간에서의 </a:t>
+            </a:r>
+            <a:r>
+              <a:rPr lang="en-US" altLang="ko-KR" sz="1400" b="1" dirty="0">
+                <a:effectLst>
+                  <a:outerShdw blurRad="38100" dist="38100" dir="2700000" algn="tl">
+                    <a:srgbClr val="000000">
+                      <a:alpha val="43137"/>
+                    </a:srgbClr>
+                  </a:outerShdw>
+                </a:effectLst>
+              </a:rPr>
+              <a:t>Object</a:t>
+            </a:r>
+            <a:r>
+              <a:rPr lang="ko-KR" altLang="en-US" sz="1400" b="1" dirty="0">
+                <a:effectLst>
+                  <a:outerShdw blurRad="38100" dist="38100" dir="2700000" algn="tl">
+                    <a:srgbClr val="000000">
+                      <a:alpha val="43137"/>
+                    </a:srgbClr>
+                  </a:outerShdw>
+                </a:effectLst>
+              </a:rPr>
+              <a:t> </a:t>
+            </a:r>
+            <a:r>
+              <a:rPr lang="en-US" altLang="ko-KR" sz="1400" b="1" dirty="0">
+                <a:effectLst>
+                  <a:outerShdw blurRad="38100" dist="38100" dir="2700000" algn="tl">
+                    <a:srgbClr val="000000">
+                      <a:alpha val="43137"/>
+                    </a:srgbClr>
+                  </a:outerShdw>
+                </a:effectLst>
+              </a:rPr>
+              <a:t>Detection</a:t>
+            </a:r>
+            <a:r>
+              <a:rPr lang="ko-KR" altLang="en-US" sz="1400" b="1" dirty="0">
+                <a:effectLst>
+                  <a:outerShdw blurRad="38100" dist="38100" dir="2700000" algn="tl">
+                    <a:srgbClr val="000000">
+                      <a:alpha val="43137"/>
+                    </a:srgbClr>
+                  </a:outerShdw>
+                </a:effectLst>
+              </a:rPr>
+              <a:t>도 이상없이 수행</a:t>
+            </a:r>
+            <a:endParaRPr lang="en-US" altLang="ko-KR" sz="1400" b="1" dirty="0">
+              <a:effectLst>
+                <a:outerShdw blurRad="38100" dist="38100" dir="2700000" algn="tl">
+                  <a:srgbClr val="000000">
+                    <a:alpha val="43137"/>
+                  </a:srgbClr>
+                </a:outerShdw>
+              </a:effectLst>
+            </a:endParaRPr>
+          </a:p>
+          <a:p>
+            <a:pPr marL="0" indent="0">
+              <a:buNone/>
+            </a:pPr>
+            <a:r>
+              <a:rPr lang="en-US" altLang="ko-KR" sz="1400" b="1" dirty="0">
+                <a:effectLst>
+                  <a:outerShdw blurRad="38100" dist="38100" dir="2700000" algn="tl">
+                    <a:srgbClr val="000000">
+                      <a:alpha val="43137"/>
+                    </a:srgbClr>
+                  </a:outerShdw>
+                </a:effectLst>
+              </a:rPr>
+              <a:t>      -&gt; </a:t>
+            </a:r>
+            <a:r>
+              <a:rPr lang="ko-KR" altLang="en-US" sz="1400" b="1" dirty="0">
+                <a:effectLst>
+                  <a:outerShdw blurRad="38100" dist="38100" dir="2700000" algn="tl">
+                    <a:srgbClr val="000000">
+                      <a:alpha val="43137"/>
+                    </a:srgbClr>
+                  </a:outerShdw>
+                </a:effectLst>
+              </a:rPr>
+              <a:t>극단적으로 조도가 낮은 이미지에 한해 </a:t>
+            </a:r>
+            <a:r>
+              <a:rPr lang="en-US" altLang="ko-KR" sz="1400" b="1" dirty="0">
+                <a:effectLst>
+                  <a:outerShdw blurRad="38100" dist="38100" dir="2700000" algn="tl">
+                    <a:srgbClr val="000000">
+                      <a:alpha val="43137"/>
+                    </a:srgbClr>
+                  </a:outerShdw>
+                </a:effectLst>
+              </a:rPr>
+              <a:t>Detection </a:t>
+            </a:r>
+            <a:r>
+              <a:rPr lang="ko-KR" altLang="en-US" sz="1400" b="1" dirty="0">
+                <a:effectLst>
+                  <a:outerShdw blurRad="38100" dist="38100" dir="2700000" algn="tl">
+                    <a:srgbClr val="000000">
+                      <a:alpha val="43137"/>
+                    </a:srgbClr>
+                  </a:outerShdw>
+                </a:effectLst>
+              </a:rPr>
+              <a:t>제한적임 </a:t>
+            </a:r>
+            <a:endParaRPr lang="en-US" altLang="ko-KR" sz="1400" b="1" dirty="0">
+              <a:effectLst>
+                <a:outerShdw blurRad="38100" dist="38100" dir="2700000" algn="tl">
+                  <a:srgbClr val="000000">
+                    <a:alpha val="43137"/>
+                  </a:srgbClr>
+                </a:outerShdw>
+              </a:effectLst>
+            </a:endParaRPr>
+          </a:p>
+          <a:p>
+            <a:pPr marL="0" indent="0">
+              <a:buNone/>
+            </a:pPr>
+            <a:r>
+              <a:rPr lang="en-US" altLang="ko-KR" b="1" dirty="0">
+                <a:effectLst>
+                  <a:outerShdw blurRad="38100" dist="38100" dir="2700000" algn="tl">
+                    <a:srgbClr val="000000">
+                      <a:alpha val="43137"/>
+                    </a:srgbClr>
+                  </a:outerShdw>
+                </a:effectLst>
+              </a:rPr>
+              <a:t>∴ </a:t>
+            </a:r>
+            <a:r>
+              <a:rPr lang="en-US" altLang="ko-KR" sz="1600" b="1" dirty="0">
+                <a:effectLst>
+                  <a:outerShdw blurRad="38100" dist="38100" dir="2700000" algn="tl">
+                    <a:srgbClr val="000000">
+                      <a:alpha val="43137"/>
+                    </a:srgbClr>
+                  </a:outerShdw>
+                </a:effectLst>
+              </a:rPr>
+              <a:t>Object Detection API </a:t>
+            </a:r>
+            <a:r>
+              <a:rPr lang="ko-KR" altLang="en-US" sz="1600" b="1" dirty="0">
+                <a:effectLst>
+                  <a:outerShdw blurRad="38100" dist="38100" dir="2700000" algn="tl">
+                    <a:srgbClr val="000000">
+                      <a:alpha val="43137"/>
+                    </a:srgbClr>
+                  </a:outerShdw>
+                </a:effectLst>
+              </a:rPr>
+              <a:t>사용시 제한된 조건에서 사용 가능</a:t>
+            </a:r>
+            <a:endParaRPr lang="en-US" altLang="ko-KR" sz="1600" b="1" dirty="0">
+              <a:effectLst>
+                <a:outerShdw blurRad="38100" dist="38100" dir="2700000" algn="tl">
+                  <a:srgbClr val="000000">
+                    <a:alpha val="43137"/>
+                  </a:srgbClr>
+                </a:outerShdw>
+              </a:effectLst>
+            </a:endParaRPr>
+          </a:p>
+          <a:p>
+            <a:pPr marL="0" indent="0">
+              <a:buNone/>
+            </a:pPr>
+            <a:endParaRPr lang="en-US" altLang="ko-KR" sz="1400" b="1" dirty="0">
+              <a:effectLst>
+                <a:outerShdw blurRad="38100" dist="38100" dir="2700000" algn="tl">
+                  <a:srgbClr val="000000">
+                    <a:alpha val="43137"/>
+                  </a:srgbClr>
+                </a:outerShdw>
+              </a:effectLst>
+            </a:endParaRPr>
+          </a:p>
+          <a:p>
+            <a:pPr marL="0" indent="0">
+              <a:buNone/>
+            </a:pPr>
+            <a:endParaRPr lang="en-US" altLang="ko-KR" sz="1400" b="1" dirty="0">
+              <a:effectLst>
+                <a:outerShdw blurRad="38100" dist="38100" dir="2700000" algn="tl">
+                  <a:srgbClr val="000000">
+                    <a:alpha val="43137"/>
+                  </a:srgbClr>
+                </a:outerShdw>
+              </a:effectLst>
+            </a:endParaRPr>
+          </a:p>
+        </p:txBody>
+      </p:sp>
+    </p:spTree>
+    <p:extLst>
+      <p:ext uri="{BB962C8B-B14F-4D97-AF65-F5344CB8AC3E}">
+        <p14:creationId xmlns:p14="http://schemas.microsoft.com/office/powerpoint/2010/main" val="2413291359"/>
+      </p:ext>
+    </p:extLst>
+  </p:cSld>
+  <p:clrMapOvr>
+    <a:masterClrMapping/>
+  </p:clrMapOvr>
+</p:sld>
+</file>
+
+<file path=ppt/slides/slide12.xml><?xml version="1.0" encoding="utf-8"?>
+<p:sld xmlns:a="http://schemas.openxmlformats.org/drawingml/2006/main" xmlns:r="http://schemas.openxmlformats.org/officeDocument/2006/relationships" xmlns:p="http://schemas.openxmlformats.org/presentationml/2006/main">
+  <p:cSld>
+    <p:bg>
+      <p:bgPr>
+        <a:solidFill>
+          <a:schemeClr val="tx2">
+            <a:lumMod val="75000"/>
+          </a:schemeClr>
+        </a:solidFill>
+        <a:effectLst/>
+      </p:bgPr>
+    </p:bg>
+    <p:spTree>
+      <p:nvGrpSpPr>
+        <p:cNvPr id="1" name=""/>
+        <p:cNvGrpSpPr/>
+        <p:nvPr/>
+      </p:nvGrpSpPr>
+      <p:grpSpPr>
+        <a:xfrm>
+          <a:off x="0" y="0"/>
+          <a:ext cx="0" cy="0"/>
+          <a:chOff x="0" y="0"/>
+          <a:chExt cx="0" cy="0"/>
+        </a:xfrm>
+      </p:grpSpPr>
+      <p:sp>
+        <p:nvSpPr>
+          <p:cNvPr id="2" name="직사각형 1"/>
+          <p:cNvSpPr/>
+          <p:nvPr/>
+        </p:nvSpPr>
+        <p:spPr>
+          <a:xfrm>
+            <a:off x="-3932" y="774486"/>
+            <a:ext cx="9180512" cy="5793548"/>
+          </a:xfrm>
+          <a:prstGeom prst="rect">
+            <a:avLst/>
+          </a:prstGeom>
+          <a:solidFill>
+            <a:schemeClr val="bg1"/>
+          </a:solidFill>
+          <a:ln>
+            <a:noFill/>
+          </a:ln>
+        </p:spPr>
+        <p:style>
+          <a:lnRef idx="2">
+            <a:schemeClr val="accent1">
+              <a:shade val="50000"/>
+            </a:schemeClr>
+          </a:lnRef>
+          <a:fillRef idx="1">
+            <a:schemeClr val="accent1"/>
+          </a:fillRef>
+          <a:effectRef idx="0">
+            <a:schemeClr val="accent1"/>
+          </a:effectRef>
+          <a:fontRef idx="minor">
+            <a:schemeClr val="lt1"/>
+          </a:fontRef>
+        </p:style>
+        <p:txBody>
+          <a:bodyPr rtlCol="0" anchor="ctr"/>
+          <a:lstStyle/>
+          <a:p>
+            <a:pPr marL="0" marR="0" lvl="0" indent="0" algn="ctr" defTabSz="914400" rtl="0" eaLnBrk="1" fontAlgn="auto" latinLnBrk="1" hangingPunct="1">
+              <a:lnSpc>
+                <a:spcPct val="100000"/>
+              </a:lnSpc>
+              <a:spcBef>
+                <a:spcPts val="0"/>
+              </a:spcBef>
+              <a:spcAft>
+                <a:spcPts val="0"/>
+              </a:spcAft>
+              <a:buClrTx/>
+              <a:buSzTx/>
+              <a:buFontTx/>
+              <a:buNone/>
+              <a:tabLst/>
+              <a:defRPr/>
+            </a:pPr>
+            <a:endParaRPr kumimoji="0" lang="ko-KR" altLang="en-US" sz="1800" b="0" i="0" u="none" strike="noStrike" kern="1200" cap="none" spc="0" normalizeH="0" baseline="0" noProof="0" dirty="0">
+              <a:ln>
+                <a:noFill/>
+              </a:ln>
+              <a:solidFill>
+                <a:prstClr val="white"/>
+              </a:solidFill>
+              <a:effectLst/>
+              <a:uLnTx/>
+              <a:uFillTx/>
+              <a:latin typeface="맑은 고딕"/>
+              <a:ea typeface="맑은 고딕" panose="020B0503020000020004" pitchFamily="50" charset="-127"/>
+              <a:cs typeface="+mn-cs"/>
+            </a:endParaRPr>
+          </a:p>
+        </p:txBody>
+      </p:sp>
+      <p:sp>
+        <p:nvSpPr>
+          <p:cNvPr id="3" name="타원 2"/>
+          <p:cNvSpPr/>
+          <p:nvPr/>
+        </p:nvSpPr>
+        <p:spPr>
+          <a:xfrm>
+            <a:off x="4067944" y="146108"/>
+            <a:ext cx="936104" cy="1050644"/>
+          </a:xfrm>
+          <a:prstGeom prst="ellipse">
+            <a:avLst/>
+          </a:prstGeom>
+          <a:solidFill>
+            <a:schemeClr val="tx2">
+              <a:lumMod val="75000"/>
+            </a:schemeClr>
+          </a:solidFill>
+          <a:ln>
+            <a:noFill/>
+          </a:ln>
+        </p:spPr>
+        <p:style>
+          <a:lnRef idx="2">
+            <a:schemeClr val="accent1">
+              <a:shade val="50000"/>
+            </a:schemeClr>
+          </a:lnRef>
+          <a:fillRef idx="1">
+            <a:schemeClr val="accent1"/>
+          </a:fillRef>
+          <a:effectRef idx="0">
+            <a:schemeClr val="accent1"/>
+          </a:effectRef>
+          <a:fontRef idx="minor">
+            <a:schemeClr val="lt1"/>
+          </a:fontRef>
+        </p:style>
+        <p:txBody>
+          <a:bodyPr rtlCol="0" anchor="ctr"/>
+          <a:lstStyle/>
+          <a:p>
+            <a:pPr marL="0" marR="0" lvl="0" indent="0" algn="ctr" defTabSz="914400" rtl="0" eaLnBrk="1" fontAlgn="auto" latinLnBrk="1" hangingPunct="1">
+              <a:lnSpc>
+                <a:spcPct val="100000"/>
+              </a:lnSpc>
+              <a:spcBef>
+                <a:spcPts val="0"/>
+              </a:spcBef>
+              <a:spcAft>
+                <a:spcPts val="0"/>
+              </a:spcAft>
+              <a:buClrTx/>
+              <a:buSzTx/>
+              <a:buFontTx/>
+              <a:buNone/>
+              <a:tabLst/>
+              <a:defRPr/>
+            </a:pPr>
+            <a:endParaRPr kumimoji="0" lang="ko-KR" altLang="en-US" sz="1800" b="0" i="0" u="none" strike="noStrike" kern="1200" cap="none" spc="0" normalizeH="0" baseline="0" noProof="0">
+              <a:ln>
+                <a:noFill/>
+              </a:ln>
+              <a:solidFill>
+                <a:prstClr val="white"/>
+              </a:solidFill>
+              <a:effectLst/>
+              <a:uLnTx/>
+              <a:uFillTx/>
+              <a:latin typeface="맑은 고딕"/>
+              <a:ea typeface="맑은 고딕" panose="020B0503020000020004" pitchFamily="50" charset="-127"/>
+              <a:cs typeface="+mn-cs"/>
+            </a:endParaRPr>
+          </a:p>
+        </p:txBody>
+      </p:sp>
+      <p:sp>
+        <p:nvSpPr>
+          <p:cNvPr id="8" name="직사각형 7"/>
+          <p:cNvSpPr/>
+          <p:nvPr/>
+        </p:nvSpPr>
+        <p:spPr>
+          <a:xfrm>
             <a:off x="0" y="295847"/>
             <a:ext cx="864339" cy="523220"/>
           </a:xfrm>
@@ -6570,7 +9282,7 @@
 </p:sld>
 </file>
 
-<file path=ppt/slides/slide11.xml><?xml version="1.0" encoding="utf-8"?>
+<file path=ppt/slides/slide13.xml><?xml version="1.0" encoding="utf-8"?>
 <p:sld xmlns:a="http://schemas.openxmlformats.org/drawingml/2006/main" xmlns:r="http://schemas.openxmlformats.org/officeDocument/2006/relationships" xmlns:p="http://schemas.openxmlformats.org/presentationml/2006/main">
   <p:cSld>
     <p:bg>
@@ -7653,18 +10365,15 @@
               </a:rPr>
               <a:t>본 프로젝트에서 팀이 사용하는 인터페이스</a:t>
             </a:r>
-            <a:r>
-              <a:rPr lang="en-US" altLang="ko-KR" sz="1400" b="1" dirty="0">
-                <a:effectLst>
-                  <a:outerShdw blurRad="38100" dist="38100" dir="2700000" algn="tl">
-                    <a:srgbClr val="000000">
-                      <a:alpha val="43137"/>
-                    </a:srgbClr>
-                  </a:outerShdw>
-                </a:effectLst>
-              </a:rPr>
-              <a:t>.</a:t>
-            </a:r>
+            <a:endParaRPr lang="en-US" altLang="ko-KR" sz="1400" b="1" dirty="0">
+              <a:effectLst>
+                <a:outerShdw blurRad="38100" dist="38100" dir="2700000" algn="tl">
+                  <a:srgbClr val="000000">
+                    <a:alpha val="43137"/>
+                  </a:srgbClr>
+                </a:outerShdw>
+              </a:effectLst>
+            </a:endParaRPr>
           </a:p>
           <a:p>
             <a:pPr marL="0" indent="0">
@@ -7860,18 +10569,15 @@
               </a:rPr>
               <a:t>가능</a:t>
             </a:r>
-            <a:r>
-              <a:rPr lang="en-US" altLang="ko-KR" sz="1400" b="1" dirty="0">
-                <a:effectLst>
-                  <a:outerShdw blurRad="38100" dist="38100" dir="2700000" algn="tl">
-                    <a:srgbClr val="000000">
-                      <a:alpha val="43137"/>
-                    </a:srgbClr>
-                  </a:outerShdw>
-                </a:effectLst>
-              </a:rPr>
-              <a:t>.</a:t>
-            </a:r>
+            <a:endParaRPr lang="en-US" altLang="ko-KR" sz="1400" b="1" dirty="0">
+              <a:effectLst>
+                <a:outerShdw blurRad="38100" dist="38100" dir="2700000" algn="tl">
+                  <a:srgbClr val="000000">
+                    <a:alpha val="43137"/>
+                  </a:srgbClr>
+                </a:outerShdw>
+              </a:effectLst>
+            </a:endParaRPr>
           </a:p>
         </p:txBody>
       </p:sp>
@@ -8224,18 +10930,15 @@
               </a:rPr>
               <a:t>시스템이다</a:t>
             </a:r>
-            <a:r>
-              <a:rPr lang="en-US" altLang="ko-KR" sz="1500" b="1" dirty="0">
-                <a:effectLst>
-                  <a:outerShdw blurRad="38100" dist="38100" dir="2700000" algn="tl">
-                    <a:srgbClr val="000000">
-                      <a:alpha val="43137"/>
-                    </a:srgbClr>
-                  </a:outerShdw>
-                </a:effectLst>
-              </a:rPr>
-              <a:t>.</a:t>
-            </a:r>
+            <a:endParaRPr lang="en-US" altLang="ko-KR" sz="1500" b="1" dirty="0">
+              <a:effectLst>
+                <a:outerShdw blurRad="38100" dist="38100" dir="2700000" algn="tl">
+                  <a:srgbClr val="000000">
+                    <a:alpha val="43137"/>
+                  </a:srgbClr>
+                </a:outerShdw>
+              </a:effectLst>
+            </a:endParaRPr>
           </a:p>
         </p:txBody>
       </p:sp>
@@ -8359,6 +11062,43 @@
               </a:rPr>
               <a:t>객체를 인식하기 위해서는 학습된 모델이 필요</a:t>
             </a:r>
+          </a:p>
+          <a:p>
+            <a:r>
+              <a:rPr lang="ko-KR" altLang="en-US" sz="1500" b="1" dirty="0">
+                <a:effectLst>
+                  <a:outerShdw blurRad="38100" dist="38100" dir="2700000" algn="tl">
+                    <a:srgbClr val="000000">
+                      <a:alpha val="43137"/>
+                    </a:srgbClr>
+                  </a:outerShdw>
+                </a:effectLst>
+              </a:rPr>
+              <a:t>모델은 인공신경망을 통하여 목표 이미지를 반복적으로 학습하여 생성</a:t>
+            </a:r>
+            <a:endParaRPr lang="en-US" altLang="ko-KR" sz="1500" b="1" dirty="0">
+              <a:effectLst>
+                <a:outerShdw blurRad="38100" dist="38100" dir="2700000" algn="tl">
+                  <a:srgbClr val="000000">
+                    <a:alpha val="43137"/>
+                  </a:srgbClr>
+                </a:outerShdw>
+              </a:effectLst>
+            </a:endParaRPr>
+          </a:p>
+          <a:p>
+            <a:r>
+              <a:rPr lang="ko-KR" altLang="en-US" sz="1500" b="1" dirty="0">
+                <a:effectLst>
+                  <a:outerShdw blurRad="38100" dist="38100" dir="2700000" algn="tl">
+                    <a:srgbClr val="000000">
+                      <a:alpha val="43137"/>
+                    </a:srgbClr>
+                  </a:outerShdw>
+                </a:effectLst>
+              </a:rPr>
+              <a:t>앞서 실험해본 모델은 </a:t>
+            </a:r>
             <a:r>
               <a:rPr lang="en-US" altLang="ko-KR" sz="1500" b="1" dirty="0">
                 <a:effectLst>
@@ -8369,19 +11109,8 @@
                   </a:outerShdw>
                 </a:effectLst>
               </a:rPr>
-              <a:t>.</a:t>
-            </a:r>
-            <a:endParaRPr lang="ko-KR" altLang="en-US" sz="1500" b="1" dirty="0">
-              <a:effectLst>
-                <a:outerShdw blurRad="38100" dist="38100" dir="2700000" algn="tl">
-                  <a:srgbClr val="000000">
-                    <a:alpha val="43137"/>
-                  </a:srgbClr>
-                </a:outerShdw>
-              </a:effectLst>
-            </a:endParaRPr>
-          </a:p>
-          <a:p>
+              <a:t>CNN</a:t>
+            </a:r>
             <a:r>
               <a:rPr lang="ko-KR" altLang="en-US" sz="1500" b="1" dirty="0">
                 <a:effectLst>
@@ -8392,7 +11121,7 @@
                   </a:outerShdw>
                 </a:effectLst>
               </a:rPr>
-              <a:t>모델은 인공신경망을 통하여 목표 이미지를 반복적으로 학습하여 생성</a:t>
+              <a:t>을 기반으로 개발된 방식인 </a:t>
             </a:r>
             <a:r>
               <a:rPr lang="en-US" altLang="ko-KR" sz="1500" b="1" dirty="0">
@@ -8404,10 +11133,8 @@
                   </a:outerShdw>
                 </a:effectLst>
               </a:rPr>
-              <a:t>.</a:t>
-            </a:r>
-          </a:p>
-          <a:p>
+              <a:t>Faster R-CNN</a:t>
+            </a:r>
             <a:r>
               <a:rPr lang="ko-KR" altLang="en-US" sz="1500" b="1" dirty="0">
                 <a:effectLst>
@@ -8418,67 +11145,7 @@
                   </a:outerShdw>
                 </a:effectLst>
               </a:rPr>
-              <a:t>앞서 실험해본 모델은 </a:t>
-            </a:r>
-            <a:r>
-              <a:rPr lang="en-US" altLang="ko-KR" sz="1500" b="1" dirty="0">
-                <a:effectLst>
-                  <a:outerShdw blurRad="38100" dist="38100" dir="2700000" algn="tl">
-                    <a:srgbClr val="000000">
-                      <a:alpha val="43137"/>
-                    </a:srgbClr>
-                  </a:outerShdw>
-                </a:effectLst>
-              </a:rPr>
-              <a:t>CNN</a:t>
-            </a:r>
-            <a:r>
-              <a:rPr lang="ko-KR" altLang="en-US" sz="1500" b="1" dirty="0">
-                <a:effectLst>
-                  <a:outerShdw blurRad="38100" dist="38100" dir="2700000" algn="tl">
-                    <a:srgbClr val="000000">
-                      <a:alpha val="43137"/>
-                    </a:srgbClr>
-                  </a:outerShdw>
-                </a:effectLst>
-              </a:rPr>
-              <a:t>을 기반으로 개발된 방식인 </a:t>
-            </a:r>
-            <a:r>
-              <a:rPr lang="en-US" altLang="ko-KR" sz="1500" b="1" dirty="0">
-                <a:effectLst>
-                  <a:outerShdw blurRad="38100" dist="38100" dir="2700000" algn="tl">
-                    <a:srgbClr val="000000">
-                      <a:alpha val="43137"/>
-                    </a:srgbClr>
-                  </a:outerShdw>
-                </a:effectLst>
-              </a:rPr>
-              <a:t>Faster R-CNN</a:t>
-            </a:r>
-            <a:r>
-              <a:rPr lang="ko-KR" altLang="en-US" sz="1500" b="1" dirty="0">
-                <a:effectLst>
-                  <a:outerShdw blurRad="38100" dist="38100" dir="2700000" algn="tl">
-                    <a:srgbClr val="000000">
-                      <a:alpha val="43137"/>
-                    </a:srgbClr>
-                  </a:outerShdw>
-                </a:effectLst>
-              </a:rPr>
               <a:t>방식으로 학습</a:t>
-            </a:r>
-            <a:r>
-              <a:rPr lang="en-US" altLang="ko-KR" sz="1500" b="1" dirty="0">
-                <a:effectLst>
-                  <a:outerShdw blurRad="38100" dist="38100" dir="2700000" algn="tl">
-                    <a:srgbClr val="000000">
-                      <a:alpha val="43137"/>
-                    </a:srgbClr>
-                  </a:outerShdw>
-                </a:effectLst>
-              </a:rPr>
-              <a:t>.</a:t>
             </a:r>
             <a:endParaRPr lang="en-US" altLang="ko-KR" sz="1500" dirty="0"/>
           </a:p>
@@ -9845,18 +12512,15 @@
               </a:rPr>
               <a:t> 연산을 사용하는 인공 신경망</a:t>
             </a:r>
-            <a:r>
-              <a:rPr lang="en-US" altLang="ko-KR" sz="1400" b="1" dirty="0">
-                <a:effectLst>
-                  <a:outerShdw blurRad="38100" dist="38100" dir="2700000" algn="tl">
-                    <a:srgbClr val="000000">
-                      <a:alpha val="43137"/>
-                    </a:srgbClr>
-                  </a:outerShdw>
-                </a:effectLst>
-              </a:rPr>
-              <a:t>.</a:t>
-            </a:r>
+            <a:endParaRPr lang="en-US" altLang="ko-KR" sz="1400" b="1" dirty="0">
+              <a:effectLst>
+                <a:outerShdw blurRad="38100" dist="38100" dir="2700000" algn="tl">
+                  <a:srgbClr val="000000">
+                    <a:alpha val="43137"/>
+                  </a:srgbClr>
+                </a:outerShdw>
+              </a:effectLst>
+            </a:endParaRPr>
           </a:p>
           <a:p>
             <a:pPr marL="0" indent="0">
@@ -10491,18 +13155,6 @@
                 </a:effectLst>
               </a:rPr>
               <a:t> 출력할 수 있음</a:t>
-            </a:r>
-            <a:r>
-              <a:rPr lang="en-US" altLang="ko-KR" sz="1500" b="1" dirty="0">
-                <a:effectLst>
-                  <a:outerShdw blurRad="38100" dist="38100" dir="2700000" algn="tl">
-                    <a:srgbClr val="000000">
-                      <a:alpha val="43137"/>
-                    </a:srgbClr>
-                  </a:outerShdw>
-                </a:effectLst>
-              </a:rPr>
-              <a:t>.</a:t>
             </a:r>
             <a:endParaRPr lang="en-US" altLang="ko-KR" sz="1500" dirty="0"/>
           </a:p>
@@ -11130,18 +13782,15 @@
               </a:rPr>
               <a:t>추출함</a:t>
             </a:r>
-            <a:r>
-              <a:rPr lang="en-US" altLang="ko-KR" sz="1400" b="1" dirty="0">
-                <a:effectLst>
-                  <a:outerShdw blurRad="38100" dist="38100" dir="2700000" algn="tl">
-                    <a:srgbClr val="000000">
-                      <a:alpha val="43137"/>
-                    </a:srgbClr>
-                  </a:outerShdw>
-                </a:effectLst>
-              </a:rPr>
-              <a:t>.</a:t>
-            </a:r>
+            <a:endParaRPr lang="en-US" altLang="ko-KR" sz="1400" b="1" dirty="0">
+              <a:effectLst>
+                <a:outerShdw blurRad="38100" dist="38100" dir="2700000" algn="tl">
+                  <a:srgbClr val="000000">
+                    <a:alpha val="43137"/>
+                  </a:srgbClr>
+                </a:outerShdw>
+              </a:effectLst>
+            </a:endParaRPr>
           </a:p>
         </p:txBody>
       </p:sp>
@@ -15443,7 +18092,7 @@
         </p:nvSpPr>
         <p:spPr>
           <a:xfrm>
-            <a:off x="167962" y="4616220"/>
+            <a:off x="167962" y="1395366"/>
             <a:ext cx="8868534" cy="1623540"/>
           </a:xfrm>
           <a:prstGeom prst="rect">
@@ -15697,6 +18346,9 @@
             </a:endParaRPr>
           </a:p>
           <a:p>
+            <a:pPr marL="0" indent="0">
+              <a:buNone/>
+            </a:pPr>
             <a:endParaRPr lang="en-US" altLang="ko-KR" sz="1400" b="1" dirty="0">
               <a:effectLst>
                 <a:outerShdw blurRad="38100" dist="38100" dir="2700000" algn="tl">
@@ -15707,31 +18359,122 @@
               </a:effectLst>
             </a:endParaRPr>
           </a:p>
-          <a:p>
-            <a:r>
-              <a:rPr lang="ko-KR" altLang="en-US" sz="1400" b="1" dirty="0">
-                <a:effectLst>
-                  <a:outerShdw blurRad="38100" dist="38100" dir="2700000" algn="tl">
-                    <a:srgbClr val="000000">
-                      <a:alpha val="43137"/>
-                    </a:srgbClr>
-                  </a:outerShdw>
-                </a:effectLst>
-              </a:rPr>
-              <a:t>이러이러한 결과가 도출</a:t>
-            </a:r>
-            <a:endParaRPr lang="en-US" altLang="ko-KR" sz="1400" b="1" dirty="0">
-              <a:effectLst>
-                <a:outerShdw blurRad="38100" dist="38100" dir="2700000" algn="tl">
-                  <a:srgbClr val="000000">
-                    <a:alpha val="43137"/>
-                  </a:srgbClr>
-                </a:outerShdw>
-              </a:effectLst>
-            </a:endParaRPr>
-          </a:p>
         </p:txBody>
       </p:sp>
+      <p:pic>
+        <p:nvPicPr>
+          <p:cNvPr id="14" name="그림 13">
+            <a:extLst>
+              <a:ext uri="{FF2B5EF4-FFF2-40B4-BE49-F238E27FC236}">
+                <a16:creationId xmlns:a16="http://schemas.microsoft.com/office/drawing/2014/main" id="{BE7330C9-A428-45B1-9400-1E7FD0F455F9}"/>
+              </a:ext>
+            </a:extLst>
+          </p:cNvPr>
+          <p:cNvPicPr>
+            <a:picLocks noChangeAspect="1"/>
+          </p:cNvPicPr>
+          <p:nvPr/>
+        </p:nvPicPr>
+        <p:blipFill>
+          <a:blip r:embed="rId3">
+            <a:extLst>
+              <a:ext uri="{28A0092B-C50C-407E-A947-70E740481C1C}">
+                <a14:useLocalDpi xmlns:a14="http://schemas.microsoft.com/office/drawing/2010/main" val="0"/>
+              </a:ext>
+            </a:extLst>
+          </a:blip>
+          <a:stretch>
+            <a:fillRect/>
+          </a:stretch>
+        </p:blipFill>
+        <p:spPr>
+          <a:xfrm>
+            <a:off x="383659" y="3100696"/>
+            <a:ext cx="3819034" cy="2864275"/>
+          </a:xfrm>
+          <a:prstGeom prst="rect">
+            <a:avLst/>
+          </a:prstGeom>
+        </p:spPr>
+      </p:pic>
+      <p:pic>
+        <p:nvPicPr>
+          <p:cNvPr id="16" name="그림 15">
+            <a:extLst>
+              <a:ext uri="{FF2B5EF4-FFF2-40B4-BE49-F238E27FC236}">
+                <a16:creationId xmlns:a16="http://schemas.microsoft.com/office/drawing/2014/main" id="{5412E2FF-B7FF-46DE-9F54-3C191460E67B}"/>
+              </a:ext>
+            </a:extLst>
+          </p:cNvPr>
+          <p:cNvPicPr>
+            <a:picLocks noChangeAspect="1"/>
+          </p:cNvPicPr>
+          <p:nvPr/>
+        </p:nvPicPr>
+        <p:blipFill>
+          <a:blip r:embed="rId4">
+            <a:extLst>
+              <a:ext uri="{28A0092B-C50C-407E-A947-70E740481C1C}">
+                <a14:useLocalDpi xmlns:a14="http://schemas.microsoft.com/office/drawing/2010/main" val="0"/>
+              </a:ext>
+            </a:extLst>
+          </a:blip>
+          <a:stretch>
+            <a:fillRect/>
+          </a:stretch>
+        </p:blipFill>
+        <p:spPr>
+          <a:xfrm>
+            <a:off x="4963006" y="3086149"/>
+            <a:ext cx="3819034" cy="2839785"/>
+          </a:xfrm>
+          <a:prstGeom prst="rect">
+            <a:avLst/>
+          </a:prstGeom>
+        </p:spPr>
+      </p:pic>
+      <p:cxnSp>
+        <p:nvCxnSpPr>
+          <p:cNvPr id="12" name="직선 화살표 연결선 11">
+            <a:extLst>
+              <a:ext uri="{FF2B5EF4-FFF2-40B4-BE49-F238E27FC236}">
+                <a16:creationId xmlns:a16="http://schemas.microsoft.com/office/drawing/2014/main" id="{8980BD76-9D3C-42FB-AFE7-EE2EDD5A40C8}"/>
+              </a:ext>
+            </a:extLst>
+          </p:cNvPr>
+          <p:cNvCxnSpPr/>
+          <p:nvPr/>
+        </p:nvCxnSpPr>
+        <p:spPr>
+          <a:xfrm>
+            <a:off x="4297765" y="4616220"/>
+            <a:ext cx="525157" cy="0"/>
+          </a:xfrm>
+          <a:prstGeom prst="straightConnector1">
+            <a:avLst/>
+          </a:prstGeom>
+          <a:ln w="63500">
+            <a:solidFill>
+              <a:schemeClr val="tx1"/>
+            </a:solidFill>
+            <a:tailEnd type="triangle"/>
+          </a:ln>
+        </p:spPr>
+        <p:style>
+          <a:lnRef idx="1">
+            <a:schemeClr val="accent1"/>
+          </a:lnRef>
+          <a:fillRef idx="0">
+            <a:schemeClr val="accent1"/>
+          </a:fillRef>
+          <a:effectRef idx="0">
+            <a:schemeClr val="accent1"/>
+          </a:effectRef>
+          <a:fontRef idx="minor">
+            <a:schemeClr val="tx1"/>
+          </a:fontRef>
+        </p:style>
+      </p:cxnSp>
     </p:spTree>
     <p:extLst>
       <p:ext uri="{BB962C8B-B14F-4D97-AF65-F5344CB8AC3E}">
@@ -15932,8 +18675,8 @@
         </p:nvSpPr>
         <p:spPr>
           <a:xfrm>
-            <a:off x="0" y="295847"/>
-            <a:ext cx="864339" cy="523220"/>
+            <a:off x="-9862" y="289966"/>
+            <a:ext cx="1651414" cy="523220"/>
           </a:xfrm>
           <a:prstGeom prst="rect">
             <a:avLst/>
@@ -15970,7 +18713,7 @@
                 <a:latin typeface="Rix비타민 M" panose="02020603020101020101" pitchFamily="18" charset="-127"/>
                 <a:ea typeface="Rix비타민 M" panose="02020603020101020101" pitchFamily="18" charset="-127"/>
               </a:rPr>
-              <a:t>결론</a:t>
+              <a:t>학습 결과</a:t>
             </a:r>
             <a:endParaRPr kumimoji="0" lang="ko-KR" altLang="en-US" sz="2800" b="1" i="0" u="none" strike="noStrike" kern="1200" cap="none" spc="-150" normalizeH="0" baseline="0" noProof="0" dirty="0">
               <a:ln>
@@ -16042,7 +18785,7 @@
                 <a:ea typeface="HY헤드라인M" pitchFamily="18" charset="-127"/>
                 <a:cs typeface="+mn-cs"/>
               </a:rPr>
-              <a:t>04</a:t>
+              <a:t>03</a:t>
             </a:r>
             <a:endParaRPr kumimoji="0" lang="ko-KR" altLang="en-US" sz="2400" b="0" i="0" u="none" strike="noStrike" kern="1200" cap="none" spc="0" normalizeH="0" baseline="0" noProof="0" dirty="0">
               <a:ln>
@@ -16063,182 +18806,45 @@
       </p:sp>
       <p:sp>
         <p:nvSpPr>
-          <p:cNvPr id="18" name="내용 개체 틀 4">
+          <p:cNvPr id="4" name="TextBox 3">
             <a:extLst>
               <a:ext uri="{FF2B5EF4-FFF2-40B4-BE49-F238E27FC236}">
-                <a16:creationId xmlns:a16="http://schemas.microsoft.com/office/drawing/2014/main" id="{4649E46D-6DC0-4E98-AB78-81359839AE3C}"/>
+                <a16:creationId xmlns:a16="http://schemas.microsoft.com/office/drawing/2014/main" id="{B878FCE6-4F8D-476D-936D-A608173FB1E9}"/>
               </a:ext>
             </a:extLst>
           </p:cNvPr>
-          <p:cNvSpPr txBox="1">
-            <a:spLocks/>
-          </p:cNvSpPr>
+          <p:cNvSpPr txBox="1"/>
           <p:nvPr/>
         </p:nvSpPr>
         <p:spPr>
           <a:xfrm>
-            <a:off x="683568" y="4616220"/>
-            <a:ext cx="8352928" cy="516093"/>
+            <a:off x="90026" y="850922"/>
+            <a:ext cx="3257838" cy="477054"/>
           </a:xfrm>
           <a:prstGeom prst="rect">
             <a:avLst/>
           </a:prstGeom>
+          <a:noFill/>
         </p:spPr>
         <p:txBody>
-          <a:bodyPr vert="horz" lIns="91440" tIns="45720" rIns="91440" bIns="45720" rtlCol="0">
-            <a:normAutofit/>
+          <a:bodyPr wrap="square" rtlCol="0">
+            <a:spAutoFit/>
           </a:bodyPr>
-          <a:lstStyle>
-            <a:lvl1pPr marL="342900" indent="-342900" algn="l" defTabSz="914400" rtl="0" eaLnBrk="1" latinLnBrk="1" hangingPunct="1">
-              <a:spcBef>
-                <a:spcPct val="20000"/>
-              </a:spcBef>
-              <a:buFont typeface="Arial" pitchFamily="34" charset="0"/>
-              <a:buChar char="•"/>
-              <a:defRPr sz="2800" kern="1200">
-                <a:solidFill>
-                  <a:schemeClr val="tx1"/>
-                </a:solidFill>
-                <a:latin typeface="+mn-lt"/>
-                <a:ea typeface="+mn-ea"/>
-                <a:cs typeface="+mn-cs"/>
-              </a:defRPr>
-            </a:lvl1pPr>
-            <a:lvl2pPr marL="742950" indent="-285750" algn="l" defTabSz="914400" rtl="0" eaLnBrk="1" latinLnBrk="1" hangingPunct="1">
-              <a:spcBef>
-                <a:spcPct val="20000"/>
-              </a:spcBef>
-              <a:buFont typeface="Arial" pitchFamily="34" charset="0"/>
-              <a:buChar char="–"/>
-              <a:defRPr sz="2400" kern="1200">
-                <a:solidFill>
-                  <a:schemeClr val="tx1"/>
-                </a:solidFill>
-                <a:latin typeface="+mn-lt"/>
-                <a:ea typeface="+mn-ea"/>
-                <a:cs typeface="+mn-cs"/>
-              </a:defRPr>
-            </a:lvl2pPr>
-            <a:lvl3pPr marL="1143000" indent="-228600" algn="l" defTabSz="914400" rtl="0" eaLnBrk="1" latinLnBrk="1" hangingPunct="1">
-              <a:spcBef>
-                <a:spcPct val="20000"/>
-              </a:spcBef>
-              <a:buFont typeface="Arial" pitchFamily="34" charset="0"/>
-              <a:buChar char="•"/>
-              <a:defRPr sz="2000" kern="1200">
-                <a:solidFill>
-                  <a:schemeClr val="tx1"/>
-                </a:solidFill>
-                <a:latin typeface="+mn-lt"/>
-                <a:ea typeface="+mn-ea"/>
-                <a:cs typeface="+mn-cs"/>
-              </a:defRPr>
-            </a:lvl3pPr>
-            <a:lvl4pPr marL="1600200" indent="-228600" algn="l" defTabSz="914400" rtl="0" eaLnBrk="1" latinLnBrk="1" hangingPunct="1">
-              <a:spcBef>
-                <a:spcPct val="20000"/>
-              </a:spcBef>
-              <a:buFont typeface="Arial" pitchFamily="34" charset="0"/>
-              <a:buChar char="–"/>
-              <a:defRPr sz="1800" kern="1200">
-                <a:solidFill>
-                  <a:schemeClr val="tx1"/>
-                </a:solidFill>
-                <a:latin typeface="+mn-lt"/>
-                <a:ea typeface="+mn-ea"/>
-                <a:cs typeface="+mn-cs"/>
-              </a:defRPr>
-            </a:lvl4pPr>
-            <a:lvl5pPr marL="2057400" indent="-228600" algn="l" defTabSz="914400" rtl="0" eaLnBrk="1" latinLnBrk="1" hangingPunct="1">
-              <a:spcBef>
-                <a:spcPct val="20000"/>
-              </a:spcBef>
-              <a:buFont typeface="Arial" pitchFamily="34" charset="0"/>
-              <a:buChar char="»"/>
-              <a:defRPr sz="1800" kern="1200">
-                <a:solidFill>
-                  <a:schemeClr val="tx1"/>
-                </a:solidFill>
-                <a:latin typeface="+mn-lt"/>
-                <a:ea typeface="+mn-ea"/>
-                <a:cs typeface="+mn-cs"/>
-              </a:defRPr>
-            </a:lvl5pPr>
-            <a:lvl6pPr marL="2514600" indent="-228600" algn="l" defTabSz="914400" rtl="0" eaLnBrk="1" latinLnBrk="1" hangingPunct="1">
-              <a:spcBef>
-                <a:spcPct val="20000"/>
-              </a:spcBef>
-              <a:buFont typeface="Arial" pitchFamily="34" charset="0"/>
-              <a:buChar char="•"/>
-              <a:defRPr sz="1800" kern="1200">
-                <a:solidFill>
-                  <a:schemeClr val="tx1"/>
-                </a:solidFill>
-                <a:latin typeface="+mn-lt"/>
-                <a:ea typeface="+mn-ea"/>
-                <a:cs typeface="+mn-cs"/>
-              </a:defRPr>
-            </a:lvl6pPr>
-            <a:lvl7pPr marL="2971800" indent="-228600" algn="l" defTabSz="914400" rtl="0" eaLnBrk="1" latinLnBrk="1" hangingPunct="1">
-              <a:spcBef>
-                <a:spcPct val="20000"/>
-              </a:spcBef>
-              <a:buFont typeface="Arial" pitchFamily="34" charset="0"/>
-              <a:buChar char="•"/>
-              <a:defRPr sz="1800" kern="1200">
-                <a:solidFill>
-                  <a:schemeClr val="tx1"/>
-                </a:solidFill>
-                <a:latin typeface="+mn-lt"/>
-                <a:ea typeface="+mn-ea"/>
-                <a:cs typeface="+mn-cs"/>
-              </a:defRPr>
-            </a:lvl7pPr>
-            <a:lvl8pPr marL="3429000" indent="-228600" algn="l" defTabSz="914400" rtl="0" eaLnBrk="1" latinLnBrk="1" hangingPunct="1">
-              <a:spcBef>
-                <a:spcPct val="20000"/>
-              </a:spcBef>
-              <a:buFont typeface="Arial" pitchFamily="34" charset="0"/>
-              <a:buChar char="•"/>
-              <a:defRPr sz="1800" kern="1200">
-                <a:solidFill>
-                  <a:schemeClr val="tx1"/>
-                </a:solidFill>
-                <a:latin typeface="+mn-lt"/>
-                <a:ea typeface="+mn-ea"/>
-                <a:cs typeface="+mn-cs"/>
-              </a:defRPr>
-            </a:lvl8pPr>
-            <a:lvl9pPr marL="3886200" indent="-228600" algn="l" defTabSz="914400" rtl="0" eaLnBrk="1" latinLnBrk="1" hangingPunct="1">
-              <a:spcBef>
-                <a:spcPct val="20000"/>
-              </a:spcBef>
-              <a:buFont typeface="Arial" pitchFamily="34" charset="0"/>
-              <a:buChar char="•"/>
-              <a:defRPr sz="1800" kern="1200">
-                <a:solidFill>
-                  <a:schemeClr val="tx1"/>
-                </a:solidFill>
-                <a:latin typeface="+mn-lt"/>
-                <a:ea typeface="+mn-ea"/>
-                <a:cs typeface="+mn-cs"/>
-              </a:defRPr>
-            </a:lvl9pPr>
-          </a:lstStyle>
-          <a:p>
-            <a:pPr marL="0" indent="0">
-              <a:buFont typeface="Arial" pitchFamily="34" charset="0"/>
-              <a:buNone/>
-            </a:pPr>
-            <a:endParaRPr lang="en-US" altLang="ko-KR" sz="1500" b="1" dirty="0">
-              <a:effectLst>
-                <a:outerShdw blurRad="38100" dist="38100" dir="2700000" algn="tl">
-                  <a:srgbClr val="000000">
-                    <a:alpha val="43137"/>
-                  </a:srgbClr>
-                </a:outerShdw>
-              </a:effectLst>
-            </a:endParaRPr>
+          <a:lstStyle/>
+          <a:p>
+            <a:r>
+              <a:rPr lang="ko-KR" altLang="en-US" sz="2500" b="1" dirty="0">
+                <a:effectLst>
+                  <a:outerShdw blurRad="38100" dist="38100" dir="2700000" algn="tl">
+                    <a:srgbClr val="000000">
+                      <a:alpha val="43137"/>
+                    </a:srgbClr>
+                  </a:outerShdw>
+                </a:effectLst>
+                <a:latin typeface="+mj-lt"/>
+              </a:rPr>
+              <a:t>추가 실험</a:t>
+            </a:r>
           </a:p>
         </p:txBody>
       </p:sp>
@@ -16423,839 +19029,238 @@
           </a:p>
         </p:txBody>
       </p:sp>
-      <p:sp>
-        <p:nvSpPr>
-          <p:cNvPr id="19" name="내용 개체 틀 4">
+      <p:cxnSp>
+        <p:nvCxnSpPr>
+          <p:cNvPr id="13" name="직선 화살표 연결선 12">
             <a:extLst>
               <a:ext uri="{FF2B5EF4-FFF2-40B4-BE49-F238E27FC236}">
-                <a16:creationId xmlns:a16="http://schemas.microsoft.com/office/drawing/2014/main" id="{01BAF654-7526-4876-9871-7B60D9394E63}"/>
+                <a16:creationId xmlns:a16="http://schemas.microsoft.com/office/drawing/2014/main" id="{0C8FB5A8-1A3E-4586-A44D-84EB9DB70D6E}"/>
               </a:ext>
             </a:extLst>
           </p:cNvPr>
-          <p:cNvSpPr txBox="1">
-            <a:spLocks/>
-          </p:cNvSpPr>
+          <p:cNvCxnSpPr/>
           <p:nvPr/>
-        </p:nvSpPr>
+        </p:nvCxnSpPr>
         <p:spPr>
           <a:xfrm>
-            <a:off x="167962" y="1587726"/>
-            <a:ext cx="8868534" cy="4145530"/>
+            <a:off x="4309421" y="2564904"/>
+            <a:ext cx="525157" cy="0"/>
+          </a:xfrm>
+          <a:prstGeom prst="straightConnector1">
+            <a:avLst/>
+          </a:prstGeom>
+          <a:ln w="63500">
+            <a:solidFill>
+              <a:schemeClr val="tx1"/>
+            </a:solidFill>
+            <a:tailEnd type="triangle"/>
+          </a:ln>
+        </p:spPr>
+        <p:style>
+          <a:lnRef idx="1">
+            <a:schemeClr val="accent1"/>
+          </a:lnRef>
+          <a:fillRef idx="0">
+            <a:schemeClr val="accent1"/>
+          </a:fillRef>
+          <a:effectRef idx="0">
+            <a:schemeClr val="accent1"/>
+          </a:effectRef>
+          <a:fontRef idx="minor">
+            <a:schemeClr val="tx1"/>
+          </a:fontRef>
+        </p:style>
+      </p:cxnSp>
+      <p:pic>
+        <p:nvPicPr>
+          <p:cNvPr id="6" name="그림 5">
+            <a:extLst>
+              <a:ext uri="{FF2B5EF4-FFF2-40B4-BE49-F238E27FC236}">
+                <a16:creationId xmlns:a16="http://schemas.microsoft.com/office/drawing/2014/main" id="{120FD744-978D-4448-9F7A-CF811F6530CC}"/>
+              </a:ext>
+            </a:extLst>
+          </p:cNvPr>
+          <p:cNvPicPr>
+            <a:picLocks noChangeAspect="1"/>
+          </p:cNvPicPr>
+          <p:nvPr/>
+        </p:nvPicPr>
+        <p:blipFill>
+          <a:blip r:embed="rId3">
+            <a:extLst>
+              <a:ext uri="{28A0092B-C50C-407E-A947-70E740481C1C}">
+                <a14:useLocalDpi xmlns:a14="http://schemas.microsoft.com/office/drawing/2010/main" val="0"/>
+              </a:ext>
+            </a:extLst>
+          </a:blip>
+          <a:stretch>
+            <a:fillRect/>
+          </a:stretch>
+        </p:blipFill>
+        <p:spPr>
+          <a:xfrm>
+            <a:off x="157713" y="1359774"/>
+            <a:ext cx="3521229" cy="2213236"/>
           </a:xfrm>
           <a:prstGeom prst="rect">
             <a:avLst/>
           </a:prstGeom>
         </p:spPr>
-        <p:txBody>
-          <a:bodyPr vert="horz" lIns="91440" tIns="45720" rIns="91440" bIns="45720" rtlCol="0">
-            <a:normAutofit/>
-          </a:bodyPr>
-          <a:lstStyle>
-            <a:lvl1pPr marL="342900" indent="-342900" algn="l" defTabSz="914400" rtl="0" eaLnBrk="1" latinLnBrk="1" hangingPunct="1">
-              <a:spcBef>
-                <a:spcPct val="20000"/>
-              </a:spcBef>
-              <a:buFont typeface="Arial" pitchFamily="34" charset="0"/>
-              <a:buChar char="•"/>
-              <a:defRPr sz="2800" kern="1200">
-                <a:solidFill>
-                  <a:schemeClr val="tx1"/>
-                </a:solidFill>
-                <a:latin typeface="+mn-lt"/>
-                <a:ea typeface="+mn-ea"/>
-                <a:cs typeface="+mn-cs"/>
-              </a:defRPr>
-            </a:lvl1pPr>
-            <a:lvl2pPr marL="742950" indent="-285750" algn="l" defTabSz="914400" rtl="0" eaLnBrk="1" latinLnBrk="1" hangingPunct="1">
-              <a:spcBef>
-                <a:spcPct val="20000"/>
-              </a:spcBef>
-              <a:buFont typeface="Arial" pitchFamily="34" charset="0"/>
-              <a:buChar char="–"/>
-              <a:defRPr sz="2400" kern="1200">
-                <a:solidFill>
-                  <a:schemeClr val="tx1"/>
-                </a:solidFill>
-                <a:latin typeface="+mn-lt"/>
-                <a:ea typeface="+mn-ea"/>
-                <a:cs typeface="+mn-cs"/>
-              </a:defRPr>
-            </a:lvl2pPr>
-            <a:lvl3pPr marL="1143000" indent="-228600" algn="l" defTabSz="914400" rtl="0" eaLnBrk="1" latinLnBrk="1" hangingPunct="1">
-              <a:spcBef>
-                <a:spcPct val="20000"/>
-              </a:spcBef>
-              <a:buFont typeface="Arial" pitchFamily="34" charset="0"/>
-              <a:buChar char="•"/>
-              <a:defRPr sz="2000" kern="1200">
-                <a:solidFill>
-                  <a:schemeClr val="tx1"/>
-                </a:solidFill>
-                <a:latin typeface="+mn-lt"/>
-                <a:ea typeface="+mn-ea"/>
-                <a:cs typeface="+mn-cs"/>
-              </a:defRPr>
-            </a:lvl3pPr>
-            <a:lvl4pPr marL="1600200" indent="-228600" algn="l" defTabSz="914400" rtl="0" eaLnBrk="1" latinLnBrk="1" hangingPunct="1">
-              <a:spcBef>
-                <a:spcPct val="20000"/>
-              </a:spcBef>
-              <a:buFont typeface="Arial" pitchFamily="34" charset="0"/>
-              <a:buChar char="–"/>
-              <a:defRPr sz="1800" kern="1200">
-                <a:solidFill>
-                  <a:schemeClr val="tx1"/>
-                </a:solidFill>
-                <a:latin typeface="+mn-lt"/>
-                <a:ea typeface="+mn-ea"/>
-                <a:cs typeface="+mn-cs"/>
-              </a:defRPr>
-            </a:lvl4pPr>
-            <a:lvl5pPr marL="2057400" indent="-228600" algn="l" defTabSz="914400" rtl="0" eaLnBrk="1" latinLnBrk="1" hangingPunct="1">
-              <a:spcBef>
-                <a:spcPct val="20000"/>
-              </a:spcBef>
-              <a:buFont typeface="Arial" pitchFamily="34" charset="0"/>
-              <a:buChar char="»"/>
-              <a:defRPr sz="1800" kern="1200">
-                <a:solidFill>
-                  <a:schemeClr val="tx1"/>
-                </a:solidFill>
-                <a:latin typeface="+mn-lt"/>
-                <a:ea typeface="+mn-ea"/>
-                <a:cs typeface="+mn-cs"/>
-              </a:defRPr>
-            </a:lvl5pPr>
-            <a:lvl6pPr marL="2514600" indent="-228600" algn="l" defTabSz="914400" rtl="0" eaLnBrk="1" latinLnBrk="1" hangingPunct="1">
-              <a:spcBef>
-                <a:spcPct val="20000"/>
-              </a:spcBef>
-              <a:buFont typeface="Arial" pitchFamily="34" charset="0"/>
-              <a:buChar char="•"/>
-              <a:defRPr sz="1800" kern="1200">
-                <a:solidFill>
-                  <a:schemeClr val="tx1"/>
-                </a:solidFill>
-                <a:latin typeface="+mn-lt"/>
-                <a:ea typeface="+mn-ea"/>
-                <a:cs typeface="+mn-cs"/>
-              </a:defRPr>
-            </a:lvl6pPr>
-            <a:lvl7pPr marL="2971800" indent="-228600" algn="l" defTabSz="914400" rtl="0" eaLnBrk="1" latinLnBrk="1" hangingPunct="1">
-              <a:spcBef>
-                <a:spcPct val="20000"/>
-              </a:spcBef>
-              <a:buFont typeface="Arial" pitchFamily="34" charset="0"/>
-              <a:buChar char="•"/>
-              <a:defRPr sz="1800" kern="1200">
-                <a:solidFill>
-                  <a:schemeClr val="tx1"/>
-                </a:solidFill>
-                <a:latin typeface="+mn-lt"/>
-                <a:ea typeface="+mn-ea"/>
-                <a:cs typeface="+mn-cs"/>
-              </a:defRPr>
-            </a:lvl7pPr>
-            <a:lvl8pPr marL="3429000" indent="-228600" algn="l" defTabSz="914400" rtl="0" eaLnBrk="1" latinLnBrk="1" hangingPunct="1">
-              <a:spcBef>
-                <a:spcPct val="20000"/>
-              </a:spcBef>
-              <a:buFont typeface="Arial" pitchFamily="34" charset="0"/>
-              <a:buChar char="•"/>
-              <a:defRPr sz="1800" kern="1200">
-                <a:solidFill>
-                  <a:schemeClr val="tx1"/>
-                </a:solidFill>
-                <a:latin typeface="+mn-lt"/>
-                <a:ea typeface="+mn-ea"/>
-                <a:cs typeface="+mn-cs"/>
-              </a:defRPr>
-            </a:lvl8pPr>
-            <a:lvl9pPr marL="3886200" indent="-228600" algn="l" defTabSz="914400" rtl="0" eaLnBrk="1" latinLnBrk="1" hangingPunct="1">
-              <a:spcBef>
-                <a:spcPct val="20000"/>
-              </a:spcBef>
-              <a:buFont typeface="Arial" pitchFamily="34" charset="0"/>
-              <a:buChar char="•"/>
-              <a:defRPr sz="1800" kern="1200">
-                <a:solidFill>
-                  <a:schemeClr val="tx1"/>
-                </a:solidFill>
-                <a:latin typeface="+mn-lt"/>
-                <a:ea typeface="+mn-ea"/>
-                <a:cs typeface="+mn-cs"/>
-              </a:defRPr>
-            </a:lvl9pPr>
-          </a:lstStyle>
-          <a:p>
-            <a:r>
-              <a:rPr lang="ko-KR" altLang="en-US" sz="1400" b="1" dirty="0">
-                <a:effectLst>
-                  <a:outerShdw blurRad="38100" dist="38100" dir="2700000" algn="tl">
-                    <a:srgbClr val="000000">
-                      <a:alpha val="43137"/>
-                    </a:srgbClr>
-                  </a:outerShdw>
-                </a:effectLst>
-              </a:rPr>
-              <a:t>밝은 공간에서의 </a:t>
-            </a:r>
-            <a:r>
-              <a:rPr lang="en-US" altLang="ko-KR" sz="1400" b="1" dirty="0">
-                <a:effectLst>
-                  <a:outerShdw blurRad="38100" dist="38100" dir="2700000" algn="tl">
-                    <a:srgbClr val="000000">
-                      <a:alpha val="43137"/>
-                    </a:srgbClr>
-                  </a:outerShdw>
-                </a:effectLst>
-              </a:rPr>
-              <a:t>Object Detection</a:t>
-            </a:r>
-            <a:r>
-              <a:rPr lang="ko-KR" altLang="en-US" sz="1400" b="1" dirty="0">
-                <a:effectLst>
-                  <a:outerShdw blurRad="38100" dist="38100" dir="2700000" algn="tl">
-                    <a:srgbClr val="000000">
-                      <a:alpha val="43137"/>
-                    </a:srgbClr>
-                  </a:outerShdw>
-                </a:effectLst>
-              </a:rPr>
-              <a:t>은 원활히 수행</a:t>
-            </a:r>
-            <a:endParaRPr lang="en-US" altLang="ko-KR" sz="1400" b="1" dirty="0">
-              <a:effectLst>
-                <a:outerShdw blurRad="38100" dist="38100" dir="2700000" algn="tl">
-                  <a:srgbClr val="000000">
-                    <a:alpha val="43137"/>
-                  </a:srgbClr>
-                </a:outerShdw>
-              </a:effectLst>
-            </a:endParaRPr>
-          </a:p>
-          <a:p>
-            <a:endParaRPr lang="en-US" altLang="ko-KR" sz="1400" b="1" dirty="0">
-              <a:effectLst>
-                <a:outerShdw blurRad="38100" dist="38100" dir="2700000" algn="tl">
-                  <a:srgbClr val="000000">
-                    <a:alpha val="43137"/>
-                  </a:srgbClr>
-                </a:outerShdw>
-              </a:effectLst>
-            </a:endParaRPr>
-          </a:p>
-          <a:p>
-            <a:r>
-              <a:rPr lang="ko-KR" altLang="en-US" sz="1400" b="1" dirty="0">
-                <a:effectLst>
-                  <a:outerShdw blurRad="38100" dist="38100" dir="2700000" algn="tl">
-                    <a:srgbClr val="000000">
-                      <a:alpha val="43137"/>
-                    </a:srgbClr>
-                  </a:outerShdw>
-                </a:effectLst>
-              </a:rPr>
-              <a:t>단 실험실 컴퓨터 </a:t>
-            </a:r>
-            <a:r>
-              <a:rPr lang="en-US" altLang="ko-KR" sz="1400" b="1" dirty="0">
-                <a:effectLst>
-                  <a:outerShdw blurRad="38100" dist="38100" dir="2700000" algn="tl">
-                    <a:srgbClr val="000000">
-                      <a:alpha val="43137"/>
-                    </a:srgbClr>
-                  </a:outerShdw>
-                </a:effectLst>
-              </a:rPr>
-              <a:t>GPU</a:t>
-            </a:r>
-            <a:r>
-              <a:rPr lang="ko-KR" altLang="en-US" sz="1400" b="1" dirty="0">
-                <a:effectLst>
-                  <a:outerShdw blurRad="38100" dist="38100" dir="2700000" algn="tl">
-                    <a:srgbClr val="000000">
-                      <a:alpha val="43137"/>
-                    </a:srgbClr>
-                  </a:outerShdw>
-                </a:effectLst>
-              </a:rPr>
-              <a:t>의 한계로 </a:t>
-            </a:r>
-            <a:r>
-              <a:rPr lang="en-US" altLang="ko-KR" sz="1400" b="1" dirty="0">
-                <a:effectLst>
-                  <a:outerShdw blurRad="38100" dist="38100" dir="2700000" algn="tl">
-                    <a:srgbClr val="000000">
-                      <a:alpha val="43137"/>
-                    </a:srgbClr>
-                  </a:outerShdw>
-                </a:effectLst>
-              </a:rPr>
-              <a:t>Camera</a:t>
-            </a:r>
-            <a:r>
-              <a:rPr lang="ko-KR" altLang="en-US" sz="1400" b="1" dirty="0">
-                <a:effectLst>
-                  <a:outerShdw blurRad="38100" dist="38100" dir="2700000" algn="tl">
-                    <a:srgbClr val="000000">
-                      <a:alpha val="43137"/>
-                    </a:srgbClr>
-                  </a:outerShdw>
-                </a:effectLst>
-              </a:rPr>
-              <a:t>를 연결하거나 비디오 영상을 입력으로 주었을 때</a:t>
-            </a:r>
-            <a:r>
-              <a:rPr lang="en-US" altLang="ko-KR" sz="1400" b="1" dirty="0">
-                <a:effectLst>
-                  <a:outerShdw blurRad="38100" dist="38100" dir="2700000" algn="tl">
-                    <a:srgbClr val="000000">
-                      <a:alpha val="43137"/>
-                    </a:srgbClr>
-                  </a:outerShdw>
-                </a:effectLst>
-              </a:rPr>
-              <a:t> </a:t>
-            </a:r>
-            <a:r>
-              <a:rPr lang="ko-KR" altLang="en-US" sz="1400" b="1" dirty="0">
-                <a:effectLst>
-                  <a:outerShdw blurRad="38100" dist="38100" dir="2700000" algn="tl">
-                    <a:srgbClr val="000000">
-                      <a:alpha val="43137"/>
-                    </a:srgbClr>
-                  </a:outerShdw>
-                </a:effectLst>
-              </a:rPr>
-              <a:t>낮은 </a:t>
-            </a:r>
-            <a:r>
-              <a:rPr lang="en-US" altLang="ko-KR" sz="1400" b="1" dirty="0">
-                <a:effectLst>
-                  <a:outerShdw blurRad="38100" dist="38100" dir="2700000" algn="tl">
-                    <a:srgbClr val="000000">
-                      <a:alpha val="43137"/>
-                    </a:srgbClr>
-                  </a:outerShdw>
-                </a:effectLst>
-              </a:rPr>
-              <a:t>FPS </a:t>
-            </a:r>
-            <a:r>
-              <a:rPr lang="ko-KR" altLang="en-US" sz="1400" b="1" dirty="0">
-                <a:effectLst>
-                  <a:outerShdw blurRad="38100" dist="38100" dir="2700000" algn="tl">
-                    <a:srgbClr val="000000">
-                      <a:alpha val="43137"/>
-                    </a:srgbClr>
-                  </a:outerShdw>
-                </a:effectLst>
-              </a:rPr>
-              <a:t>기록</a:t>
-            </a:r>
-            <a:endParaRPr lang="en-US" altLang="ko-KR" sz="1400" b="1" dirty="0">
-              <a:effectLst>
-                <a:outerShdw blurRad="38100" dist="38100" dir="2700000" algn="tl">
-                  <a:srgbClr val="000000">
-                    <a:alpha val="43137"/>
-                  </a:srgbClr>
-                </a:outerShdw>
-              </a:effectLst>
-            </a:endParaRPr>
-          </a:p>
-          <a:p>
-            <a:pPr marL="0" indent="0">
-              <a:buNone/>
-            </a:pPr>
-            <a:r>
-              <a:rPr lang="en-US" altLang="ko-KR" sz="1400" b="1" dirty="0">
-                <a:effectLst>
-                  <a:outerShdw blurRad="38100" dist="38100" dir="2700000" algn="tl">
-                    <a:srgbClr val="000000">
-                      <a:alpha val="43137"/>
-                    </a:srgbClr>
-                  </a:outerShdw>
-                </a:effectLst>
-              </a:rPr>
-              <a:t>      -&gt; </a:t>
-            </a:r>
-            <a:r>
-              <a:rPr lang="ko-KR" altLang="en-US" sz="1400" b="1" dirty="0">
-                <a:effectLst>
-                  <a:outerShdw blurRad="38100" dist="38100" dir="2700000" algn="tl">
-                    <a:srgbClr val="000000">
-                      <a:alpha val="43137"/>
-                    </a:srgbClr>
-                  </a:outerShdw>
-                </a:effectLst>
-              </a:rPr>
-              <a:t>향상된 </a:t>
-            </a:r>
-            <a:r>
-              <a:rPr lang="en-US" altLang="ko-KR" sz="1400" b="1" dirty="0">
-                <a:effectLst>
-                  <a:outerShdw blurRad="38100" dist="38100" dir="2700000" algn="tl">
-                    <a:srgbClr val="000000">
-                      <a:alpha val="43137"/>
-                    </a:srgbClr>
-                  </a:outerShdw>
-                </a:effectLst>
-              </a:rPr>
-              <a:t>GPU </a:t>
-            </a:r>
-            <a:r>
-              <a:rPr lang="ko-KR" altLang="en-US" sz="1400" b="1" dirty="0">
-                <a:effectLst>
-                  <a:outerShdw blurRad="38100" dist="38100" dir="2700000" algn="tl">
-                    <a:srgbClr val="000000">
-                      <a:alpha val="43137"/>
-                    </a:srgbClr>
-                  </a:outerShdw>
-                </a:effectLst>
-              </a:rPr>
-              <a:t>필요</a:t>
-            </a:r>
-            <a:endParaRPr lang="en-US" altLang="ko-KR" sz="1400" b="1" dirty="0">
-              <a:effectLst>
-                <a:outerShdw blurRad="38100" dist="38100" dir="2700000" algn="tl">
-                  <a:srgbClr val="000000">
-                    <a:alpha val="43137"/>
-                  </a:srgbClr>
-                </a:outerShdw>
-              </a:effectLst>
-            </a:endParaRPr>
-          </a:p>
-          <a:p>
-            <a:endParaRPr lang="en-US" altLang="ko-KR" sz="1400" b="1" dirty="0">
-              <a:effectLst>
-                <a:outerShdw blurRad="38100" dist="38100" dir="2700000" algn="tl">
-                  <a:srgbClr val="000000">
-                    <a:alpha val="43137"/>
-                  </a:srgbClr>
-                </a:outerShdw>
-              </a:effectLst>
-            </a:endParaRPr>
-          </a:p>
-          <a:p>
-            <a:r>
-              <a:rPr lang="ko-KR" altLang="en-US" sz="1400" b="1" dirty="0">
-                <a:effectLst>
-                  <a:outerShdw blurRad="38100" dist="38100" dir="2700000" algn="tl">
-                    <a:srgbClr val="000000">
-                      <a:alpha val="43137"/>
-                    </a:srgbClr>
-                  </a:outerShdw>
-                </a:effectLst>
-              </a:rPr>
-              <a:t>사람의 상태를 각기 다른 </a:t>
-            </a:r>
-            <a:r>
-              <a:rPr lang="en-US" altLang="ko-KR" sz="1400" b="1" dirty="0">
-                <a:effectLst>
-                  <a:outerShdw blurRad="38100" dist="38100" dir="2700000" algn="tl">
-                    <a:srgbClr val="000000">
-                      <a:alpha val="43137"/>
-                    </a:srgbClr>
-                  </a:outerShdw>
-                </a:effectLst>
-              </a:rPr>
-              <a:t>Class</a:t>
-            </a:r>
-            <a:r>
-              <a:rPr lang="ko-KR" altLang="en-US" sz="1400" b="1" dirty="0">
-                <a:effectLst>
-                  <a:outerShdw blurRad="38100" dist="38100" dir="2700000" algn="tl">
-                    <a:srgbClr val="000000">
-                      <a:alpha val="43137"/>
-                    </a:srgbClr>
-                  </a:outerShdw>
-                </a:effectLst>
-              </a:rPr>
-              <a:t>로 두어 </a:t>
-            </a:r>
-            <a:r>
-              <a:rPr lang="en-US" altLang="ko-KR" sz="1400" b="1" dirty="0">
-                <a:effectLst>
-                  <a:outerShdw blurRad="38100" dist="38100" dir="2700000" algn="tl">
-                    <a:srgbClr val="000000">
-                      <a:alpha val="43137"/>
-                    </a:srgbClr>
-                  </a:outerShdw>
-                </a:effectLst>
-              </a:rPr>
-              <a:t>Detection</a:t>
-            </a:r>
-            <a:r>
-              <a:rPr lang="ko-KR" altLang="en-US" sz="1400" b="1" dirty="0">
-                <a:effectLst>
-                  <a:outerShdw blurRad="38100" dist="38100" dir="2700000" algn="tl">
-                    <a:srgbClr val="000000">
-                      <a:alpha val="43137"/>
-                    </a:srgbClr>
-                  </a:outerShdw>
-                </a:effectLst>
-              </a:rPr>
-              <a:t>할 때</a:t>
-            </a:r>
-            <a:r>
-              <a:rPr lang="en-US" altLang="ko-KR" sz="1400" b="1" dirty="0">
-                <a:effectLst>
-                  <a:outerShdw blurRad="38100" dist="38100" dir="2700000" algn="tl">
-                    <a:srgbClr val="000000">
-                      <a:alpha val="43137"/>
-                    </a:srgbClr>
-                  </a:outerShdw>
-                </a:effectLst>
-              </a:rPr>
-              <a:t>,</a:t>
-            </a:r>
-            <a:r>
-              <a:rPr lang="ko-KR" altLang="en-US" sz="1400" b="1" dirty="0">
-                <a:effectLst>
-                  <a:outerShdw blurRad="38100" dist="38100" dir="2700000" algn="tl">
-                    <a:srgbClr val="000000">
-                      <a:alpha val="43137"/>
-                    </a:srgbClr>
-                  </a:outerShdw>
-                </a:effectLst>
-              </a:rPr>
-              <a:t> 애매한 동작에 있어서 감지가 어려움</a:t>
-            </a:r>
-            <a:endParaRPr lang="en-US" altLang="ko-KR" sz="1400" b="1" dirty="0">
-              <a:effectLst>
-                <a:outerShdw blurRad="38100" dist="38100" dir="2700000" algn="tl">
-                  <a:srgbClr val="000000">
-                    <a:alpha val="43137"/>
-                  </a:srgbClr>
-                </a:outerShdw>
-              </a:effectLst>
-            </a:endParaRPr>
-          </a:p>
-          <a:p>
-            <a:pPr marL="0" indent="0">
-              <a:buNone/>
-            </a:pPr>
-            <a:r>
-              <a:rPr lang="en-US" altLang="ko-KR" sz="1400" b="1" dirty="0">
-                <a:effectLst>
-                  <a:outerShdw blurRad="38100" dist="38100" dir="2700000" algn="tl">
-                    <a:srgbClr val="000000">
-                      <a:alpha val="43137"/>
-                    </a:srgbClr>
-                  </a:outerShdw>
-                </a:effectLst>
-              </a:rPr>
-              <a:t>      -&gt; </a:t>
-            </a:r>
-            <a:r>
-              <a:rPr lang="ko-KR" altLang="en-US" sz="1400" b="1" dirty="0">
-                <a:effectLst>
-                  <a:outerShdw blurRad="38100" dist="38100" dir="2700000" algn="tl">
-                    <a:srgbClr val="000000">
-                      <a:alpha val="43137"/>
-                    </a:srgbClr>
-                  </a:outerShdw>
-                </a:effectLst>
-              </a:rPr>
-              <a:t>더 많은 이미지를 가지고 학습 진행</a:t>
-            </a:r>
-            <a:endParaRPr lang="en-US" altLang="ko-KR" sz="1400" b="1" dirty="0">
-              <a:effectLst>
-                <a:outerShdw blurRad="38100" dist="38100" dir="2700000" algn="tl">
-                  <a:srgbClr val="000000">
-                    <a:alpha val="43137"/>
-                  </a:srgbClr>
-                </a:outerShdw>
-              </a:effectLst>
-            </a:endParaRPr>
-          </a:p>
-          <a:p>
-            <a:pPr marL="0" indent="0">
-              <a:buNone/>
-            </a:pPr>
-            <a:endParaRPr lang="en-US" altLang="ko-KR" sz="1400" b="1" dirty="0">
-              <a:effectLst>
-                <a:outerShdw blurRad="38100" dist="38100" dir="2700000" algn="tl">
-                  <a:srgbClr val="000000">
-                    <a:alpha val="43137"/>
-                  </a:srgbClr>
-                </a:outerShdw>
-              </a:effectLst>
-            </a:endParaRPr>
-          </a:p>
-          <a:p>
-            <a:r>
-              <a:rPr lang="ko-KR" altLang="en-US" sz="1400" b="1" dirty="0">
-                <a:effectLst>
-                  <a:outerShdw blurRad="38100" dist="38100" dir="2700000" algn="tl">
-                    <a:srgbClr val="000000">
-                      <a:alpha val="43137"/>
-                    </a:srgbClr>
-                  </a:outerShdw>
-                </a:effectLst>
-              </a:rPr>
-              <a:t>학습을 위한 이미지의 해상도가 높으면 높을수록 학습 시간이 증가하고</a:t>
-            </a:r>
-            <a:r>
-              <a:rPr lang="en-US" altLang="ko-KR" sz="1400" b="1" dirty="0">
-                <a:effectLst>
-                  <a:outerShdw blurRad="38100" dist="38100" dir="2700000" algn="tl">
-                    <a:srgbClr val="000000">
-                      <a:alpha val="43137"/>
-                    </a:srgbClr>
-                  </a:outerShdw>
-                </a:effectLst>
-              </a:rPr>
-              <a:t>, </a:t>
-            </a:r>
-            <a:r>
-              <a:rPr lang="ko-KR" altLang="en-US" sz="1400" b="1" dirty="0">
-                <a:effectLst>
-                  <a:outerShdw blurRad="38100" dist="38100" dir="2700000" algn="tl">
-                    <a:srgbClr val="000000">
-                      <a:alpha val="43137"/>
-                    </a:srgbClr>
-                  </a:outerShdw>
-                </a:effectLst>
-              </a:rPr>
-              <a:t>특징을 잘 잡아내지 못해 </a:t>
-            </a:r>
-            <a:r>
-              <a:rPr lang="en-US" altLang="ko-KR" sz="1400" b="1" dirty="0">
-                <a:effectLst>
-                  <a:outerShdw blurRad="38100" dist="38100" dir="2700000" algn="tl">
-                    <a:srgbClr val="000000">
-                      <a:alpha val="43137"/>
-                    </a:srgbClr>
-                  </a:outerShdw>
-                </a:effectLst>
-              </a:rPr>
-              <a:t>Detection</a:t>
-            </a:r>
-            <a:r>
-              <a:rPr lang="ko-KR" altLang="en-US" sz="1400" b="1" dirty="0">
-                <a:effectLst>
-                  <a:outerShdw blurRad="38100" dist="38100" dir="2700000" algn="tl">
-                    <a:srgbClr val="000000">
-                      <a:alpha val="43137"/>
-                    </a:srgbClr>
-                  </a:outerShdw>
-                </a:effectLst>
-              </a:rPr>
-              <a:t>에 어려움을 겪음</a:t>
-            </a:r>
-            <a:endParaRPr lang="en-US" altLang="ko-KR" sz="1400" b="1" dirty="0">
-              <a:effectLst>
-                <a:outerShdw blurRad="38100" dist="38100" dir="2700000" algn="tl">
-                  <a:srgbClr val="000000">
-                    <a:alpha val="43137"/>
-                  </a:srgbClr>
-                </a:outerShdw>
-              </a:effectLst>
-            </a:endParaRPr>
-          </a:p>
-          <a:p>
-            <a:pPr marL="0" indent="0">
-              <a:buNone/>
-            </a:pPr>
-            <a:r>
-              <a:rPr lang="en-US" altLang="ko-KR" sz="1400" b="1" dirty="0">
-                <a:effectLst>
-                  <a:outerShdw blurRad="38100" dist="38100" dir="2700000" algn="tl">
-                    <a:srgbClr val="000000">
-                      <a:alpha val="43137"/>
-                    </a:srgbClr>
-                  </a:outerShdw>
-                </a:effectLst>
-              </a:rPr>
-              <a:t>      -&gt; </a:t>
-            </a:r>
-            <a:r>
-              <a:rPr lang="ko-KR" altLang="en-US" sz="1400" b="1" dirty="0">
-                <a:effectLst>
-                  <a:outerShdw blurRad="38100" dist="38100" dir="2700000" algn="tl">
-                    <a:srgbClr val="000000">
-                      <a:alpha val="43137"/>
-                    </a:srgbClr>
-                  </a:outerShdw>
-                </a:effectLst>
-              </a:rPr>
-              <a:t>편집 프로그램을 통해 이미지의 해상도를 임의적으로 조정</a:t>
-            </a:r>
-            <a:endParaRPr lang="en-US" altLang="ko-KR" sz="1400" b="1" dirty="0">
-              <a:effectLst>
-                <a:outerShdw blurRad="38100" dist="38100" dir="2700000" algn="tl">
-                  <a:srgbClr val="000000">
-                    <a:alpha val="43137"/>
-                  </a:srgbClr>
-                </a:outerShdw>
-              </a:effectLst>
-            </a:endParaRPr>
-          </a:p>
-          <a:p>
-            <a:r>
-              <a:rPr lang="ko-KR" altLang="en-US" sz="1400" b="1" dirty="0">
-                <a:effectLst>
-                  <a:outerShdw blurRad="38100" dist="38100" dir="2700000" algn="tl">
-                    <a:srgbClr val="000000">
-                      <a:alpha val="43137"/>
-                    </a:srgbClr>
-                  </a:outerShdw>
-                </a:effectLst>
-              </a:rPr>
-              <a:t>조도가 낮은 공간에서의 이미지를 가지고 </a:t>
-            </a:r>
-            <a:r>
-              <a:rPr lang="en-US" altLang="ko-KR" sz="1400" b="1" dirty="0">
-                <a:effectLst>
-                  <a:outerShdw blurRad="38100" dist="38100" dir="2700000" algn="tl">
-                    <a:srgbClr val="000000">
-                      <a:alpha val="43137"/>
-                    </a:srgbClr>
-                  </a:outerShdw>
-                </a:effectLst>
-              </a:rPr>
-              <a:t>Object Detection</a:t>
-            </a:r>
-            <a:r>
-              <a:rPr lang="ko-KR" altLang="en-US" sz="1400" b="1" dirty="0" err="1">
-                <a:effectLst>
-                  <a:outerShdw blurRad="38100" dist="38100" dir="2700000" algn="tl">
-                    <a:srgbClr val="000000">
-                      <a:alpha val="43137"/>
-                    </a:srgbClr>
-                  </a:outerShdw>
-                </a:effectLst>
-              </a:rPr>
-              <a:t>할때</a:t>
-            </a:r>
-            <a:r>
-              <a:rPr lang="ko-KR" altLang="en-US" sz="1400" b="1" dirty="0">
-                <a:effectLst>
-                  <a:outerShdw blurRad="38100" dist="38100" dir="2700000" algn="tl">
-                    <a:srgbClr val="000000">
-                      <a:alpha val="43137"/>
-                    </a:srgbClr>
-                  </a:outerShdw>
-                </a:effectLst>
-              </a:rPr>
-              <a:t> </a:t>
-            </a:r>
-            <a:r>
-              <a:rPr lang="en-US" altLang="ko-KR" sz="1400" b="1" dirty="0">
-                <a:effectLst>
-                  <a:outerShdw blurRad="38100" dist="38100" dir="2700000" algn="tl">
-                    <a:srgbClr val="000000">
-                      <a:alpha val="43137"/>
-                    </a:srgbClr>
-                  </a:outerShdw>
-                </a:effectLst>
-              </a:rPr>
-              <a:t>~~~~~~~</a:t>
-            </a:r>
-          </a:p>
-          <a:p>
-            <a:pPr marL="0" indent="0">
-              <a:buNone/>
-            </a:pPr>
-            <a:r>
-              <a:rPr lang="en-US" altLang="ko-KR" sz="1400" b="1" dirty="0">
-                <a:effectLst>
-                  <a:outerShdw blurRad="38100" dist="38100" dir="2700000" algn="tl">
-                    <a:srgbClr val="000000">
-                      <a:alpha val="43137"/>
-                    </a:srgbClr>
-                  </a:outerShdw>
-                </a:effectLst>
-              </a:rPr>
-              <a:t>      -&gt; ~~~~~~~~~~~~~~~~~~~~</a:t>
-            </a:r>
-          </a:p>
-          <a:p>
-            <a:pPr marL="0" indent="0">
-              <a:buNone/>
-            </a:pPr>
-            <a:r>
-              <a:rPr lang="en-US" altLang="ko-KR" b="1" dirty="0">
-                <a:effectLst>
-                  <a:outerShdw blurRad="38100" dist="38100" dir="2700000" algn="tl">
-                    <a:srgbClr val="000000">
-                      <a:alpha val="43137"/>
-                    </a:srgbClr>
-                  </a:outerShdw>
-                </a:effectLst>
-              </a:rPr>
-              <a:t>∴ </a:t>
-            </a:r>
-            <a:r>
-              <a:rPr lang="en-US" altLang="ko-KR" sz="1400" b="1" dirty="0">
-                <a:effectLst>
-                  <a:outerShdw blurRad="38100" dist="38100" dir="2700000" algn="tl">
-                    <a:srgbClr val="000000">
-                      <a:alpha val="43137"/>
-                    </a:srgbClr>
-                  </a:outerShdw>
-                </a:effectLst>
-              </a:rPr>
-              <a:t>Object Detection API </a:t>
-            </a:r>
-            <a:r>
-              <a:rPr lang="ko-KR" altLang="en-US" sz="1400" b="1" dirty="0">
-                <a:effectLst>
-                  <a:outerShdw blurRad="38100" dist="38100" dir="2700000" algn="tl">
-                    <a:srgbClr val="000000">
-                      <a:alpha val="43137"/>
-                    </a:srgbClr>
-                  </a:outerShdw>
-                </a:effectLst>
-              </a:rPr>
-              <a:t>사용시 제한된 조건에서 사용</a:t>
-            </a:r>
-            <a:endParaRPr lang="en-US" altLang="ko-KR" sz="1400" b="1" dirty="0">
-              <a:effectLst>
-                <a:outerShdw blurRad="38100" dist="38100" dir="2700000" algn="tl">
-                  <a:srgbClr val="000000">
-                    <a:alpha val="43137"/>
-                  </a:srgbClr>
-                </a:outerShdw>
-              </a:effectLst>
-            </a:endParaRPr>
-          </a:p>
-          <a:p>
-            <a:pPr marL="0" indent="0">
-              <a:buNone/>
-            </a:pPr>
-            <a:endParaRPr lang="en-US" altLang="ko-KR" sz="1400" b="1" dirty="0">
-              <a:effectLst>
-                <a:outerShdw blurRad="38100" dist="38100" dir="2700000" algn="tl">
-                  <a:srgbClr val="000000">
-                    <a:alpha val="43137"/>
-                  </a:srgbClr>
-                </a:outerShdw>
-              </a:effectLst>
-            </a:endParaRPr>
-          </a:p>
-          <a:p>
-            <a:pPr marL="0" indent="0">
-              <a:buNone/>
-            </a:pPr>
-            <a:endParaRPr lang="en-US" altLang="ko-KR" sz="1400" b="1" dirty="0">
-              <a:effectLst>
-                <a:outerShdw blurRad="38100" dist="38100" dir="2700000" algn="tl">
-                  <a:srgbClr val="000000">
-                    <a:alpha val="43137"/>
-                  </a:srgbClr>
-                </a:outerShdw>
-              </a:effectLst>
-            </a:endParaRPr>
-          </a:p>
-        </p:txBody>
-      </p:sp>
+      </p:pic>
+      <p:pic>
+        <p:nvPicPr>
+          <p:cNvPr id="10" name="그림 9">
+            <a:extLst>
+              <a:ext uri="{FF2B5EF4-FFF2-40B4-BE49-F238E27FC236}">
+                <a16:creationId xmlns:a16="http://schemas.microsoft.com/office/drawing/2014/main" id="{D61A0D25-409E-41C6-9C50-A6D2D4212FD1}"/>
+              </a:ext>
+            </a:extLst>
+          </p:cNvPr>
+          <p:cNvPicPr>
+            <a:picLocks noChangeAspect="1"/>
+          </p:cNvPicPr>
+          <p:nvPr/>
+        </p:nvPicPr>
+        <p:blipFill>
+          <a:blip r:embed="rId4">
+            <a:extLst>
+              <a:ext uri="{28A0092B-C50C-407E-A947-70E740481C1C}">
+                <a14:useLocalDpi xmlns:a14="http://schemas.microsoft.com/office/drawing/2010/main" val="0"/>
+              </a:ext>
+            </a:extLst>
+          </a:blip>
+          <a:stretch>
+            <a:fillRect/>
+          </a:stretch>
+        </p:blipFill>
+        <p:spPr>
+          <a:xfrm>
+            <a:off x="5508104" y="1366278"/>
+            <a:ext cx="2905958" cy="2206732"/>
+          </a:xfrm>
+          <a:prstGeom prst="rect">
+            <a:avLst/>
+          </a:prstGeom>
+        </p:spPr>
+      </p:pic>
+      <p:pic>
+        <p:nvPicPr>
+          <p:cNvPr id="17" name="그림 16">
+            <a:extLst>
+              <a:ext uri="{FF2B5EF4-FFF2-40B4-BE49-F238E27FC236}">
+                <a16:creationId xmlns:a16="http://schemas.microsoft.com/office/drawing/2014/main" id="{9CE4E416-79CF-4F78-B1F0-8EEBAE305D56}"/>
+              </a:ext>
+            </a:extLst>
+          </p:cNvPr>
+          <p:cNvPicPr>
+            <a:picLocks noChangeAspect="1"/>
+          </p:cNvPicPr>
+          <p:nvPr/>
+        </p:nvPicPr>
+        <p:blipFill>
+          <a:blip r:embed="rId5">
+            <a:extLst>
+              <a:ext uri="{28A0092B-C50C-407E-A947-70E740481C1C}">
+                <a14:useLocalDpi xmlns:a14="http://schemas.microsoft.com/office/drawing/2010/main" val="0"/>
+              </a:ext>
+            </a:extLst>
+          </a:blip>
+          <a:stretch>
+            <a:fillRect/>
+          </a:stretch>
+        </p:blipFill>
+        <p:spPr>
+          <a:xfrm>
+            <a:off x="162635" y="3652674"/>
+            <a:ext cx="3521230" cy="2255788"/>
+          </a:xfrm>
+          <a:prstGeom prst="rect">
+            <a:avLst/>
+          </a:prstGeom>
+        </p:spPr>
+      </p:pic>
+      <p:pic>
+        <p:nvPicPr>
+          <p:cNvPr id="21" name="그림 20">
+            <a:extLst>
+              <a:ext uri="{FF2B5EF4-FFF2-40B4-BE49-F238E27FC236}">
+                <a16:creationId xmlns:a16="http://schemas.microsoft.com/office/drawing/2014/main" id="{D7047635-0C0E-43BF-8026-61AAF0D6B9B9}"/>
+              </a:ext>
+            </a:extLst>
+          </p:cNvPr>
+          <p:cNvPicPr>
+            <a:picLocks noChangeAspect="1"/>
+          </p:cNvPicPr>
+          <p:nvPr/>
+        </p:nvPicPr>
+        <p:blipFill>
+          <a:blip r:embed="rId6">
+            <a:extLst>
+              <a:ext uri="{28A0092B-C50C-407E-A947-70E740481C1C}">
+                <a14:useLocalDpi xmlns:a14="http://schemas.microsoft.com/office/drawing/2010/main" val="0"/>
+              </a:ext>
+            </a:extLst>
+          </a:blip>
+          <a:stretch>
+            <a:fillRect/>
+          </a:stretch>
+        </p:blipFill>
+        <p:spPr>
+          <a:xfrm>
+            <a:off x="5394868" y="3679422"/>
+            <a:ext cx="3196554" cy="2202291"/>
+          </a:xfrm>
+          <a:prstGeom prst="rect">
+            <a:avLst/>
+          </a:prstGeom>
+        </p:spPr>
+      </p:pic>
+      <p:cxnSp>
+        <p:nvCxnSpPr>
+          <p:cNvPr id="22" name="직선 화살표 연결선 21">
+            <a:extLst>
+              <a:ext uri="{FF2B5EF4-FFF2-40B4-BE49-F238E27FC236}">
+                <a16:creationId xmlns:a16="http://schemas.microsoft.com/office/drawing/2014/main" id="{94238184-8A2D-43A4-9894-F29A938D36C7}"/>
+              </a:ext>
+            </a:extLst>
+          </p:cNvPr>
+          <p:cNvCxnSpPr/>
+          <p:nvPr/>
+        </p:nvCxnSpPr>
+        <p:spPr>
+          <a:xfrm>
+            <a:off x="4355976" y="4725144"/>
+            <a:ext cx="525157" cy="0"/>
+          </a:xfrm>
+          <a:prstGeom prst="straightConnector1">
+            <a:avLst/>
+          </a:prstGeom>
+          <a:ln w="63500">
+            <a:solidFill>
+              <a:schemeClr val="tx1"/>
+            </a:solidFill>
+            <a:tailEnd type="triangle"/>
+          </a:ln>
+        </p:spPr>
+        <p:style>
+          <a:lnRef idx="1">
+            <a:schemeClr val="accent1"/>
+          </a:lnRef>
+          <a:fillRef idx="0">
+            <a:schemeClr val="accent1"/>
+          </a:fillRef>
+          <a:effectRef idx="0">
+            <a:schemeClr val="accent1"/>
+          </a:effectRef>
+          <a:fontRef idx="minor">
+            <a:schemeClr val="tx1"/>
+          </a:fontRef>
+        </p:style>
+      </p:cxnSp>
     </p:spTree>
     <p:extLst>
       <p:ext uri="{BB962C8B-B14F-4D97-AF65-F5344CB8AC3E}">
-        <p14:creationId xmlns:p14="http://schemas.microsoft.com/office/powerpoint/2010/main" val="2413291359"/>
+        <p14:creationId xmlns:p14="http://schemas.microsoft.com/office/powerpoint/2010/main" val="3998720885"/>
       </p:ext>
     </p:extLst>
   </p:cSld>
